--- a/Group_Project_Presentation_V3.pptx
+++ b/Group_Project_Presentation_V3.pptx
@@ -14,6 +14,7 @@
     <p:sldId id="263" r:id="rId8"/>
     <p:sldId id="261" r:id="rId9"/>
     <p:sldId id="262" r:id="rId10"/>
+    <p:sldId id="267" r:id="rId11"/>
   </p:sldIdLst>
   <p:sldSz cx="12192000" cy="6858000"/>
   <p:notesSz cx="6858000" cy="9144000"/>
@@ -7727,6 +7728,657 @@
 </p:sld>
 </file>
 
+<file path=ppt/slides/slide10.xml><?xml version="1.0" encoding="utf-8"?>
+<p:sld xmlns:a="http://schemas.openxmlformats.org/drawingml/2006/main" xmlns:r="http://schemas.openxmlformats.org/officeDocument/2006/relationships" xmlns:p="http://schemas.openxmlformats.org/presentationml/2006/main">
+  <p:cSld>
+    <p:spTree>
+      <p:nvGrpSpPr>
+        <p:cNvPr id="1" name=""/>
+        <p:cNvGrpSpPr/>
+        <p:nvPr/>
+      </p:nvGrpSpPr>
+      <p:grpSpPr>
+        <a:xfrm>
+          <a:off x="0" y="0"/>
+          <a:ext cx="0" cy="0"/>
+          <a:chOff x="0" y="0"/>
+          <a:chExt cx="0" cy="0"/>
+        </a:xfrm>
+      </p:grpSpPr>
+      <p:sp>
+        <p:nvSpPr>
+          <p:cNvPr id="2" name="Title 1">
+            <a:extLst>
+              <a:ext uri="{FF2B5EF4-FFF2-40B4-BE49-F238E27FC236}">
+                <a16:creationId xmlns:a16="http://schemas.microsoft.com/office/drawing/2014/main" id="{2B3A60EC-F385-464D-BCF7-B2B8E245E622}"/>
+              </a:ext>
+            </a:extLst>
+          </p:cNvPr>
+          <p:cNvSpPr>
+            <a:spLocks noGrp="1"/>
+          </p:cNvSpPr>
+          <p:nvPr>
+            <p:ph type="title"/>
+          </p:nvPr>
+        </p:nvSpPr>
+        <p:spPr>
+          <a:xfrm>
+            <a:off x="838200" y="602573"/>
+            <a:ext cx="10515600" cy="875337"/>
+          </a:xfrm>
+        </p:spPr>
+        <p:txBody>
+          <a:bodyPr/>
+          <a:lstStyle/>
+          <a:p>
+            <a:r>
+              <a:rPr lang="en-US" dirty="0"/>
+              <a:t>FINAL MODEL</a:t>
+            </a:r>
+          </a:p>
+        </p:txBody>
+      </p:sp>
+      <p:sp>
+        <p:nvSpPr>
+          <p:cNvPr id="6" name="TextBox 5">
+            <a:extLst>
+              <a:ext uri="{FF2B5EF4-FFF2-40B4-BE49-F238E27FC236}">
+                <a16:creationId xmlns:a16="http://schemas.microsoft.com/office/drawing/2014/main" id="{B5B50072-0DFB-47E5-92D2-8597402FA755}"/>
+              </a:ext>
+            </a:extLst>
+          </p:cNvPr>
+          <p:cNvSpPr txBox="1"/>
+          <p:nvPr/>
+        </p:nvSpPr>
+        <p:spPr>
+          <a:xfrm>
+            <a:off x="838200" y="1673482"/>
+            <a:ext cx="7631097" cy="2847383"/>
+          </a:xfrm>
+          <a:prstGeom prst="rect">
+            <a:avLst/>
+          </a:prstGeom>
+          <a:noFill/>
+        </p:spPr>
+        <p:txBody>
+          <a:bodyPr wrap="square">
+            <a:spAutoFit/>
+          </a:bodyPr>
+          <a:lstStyle/>
+          <a:p>
+            <a:pPr>
+              <a:lnSpc>
+                <a:spcPct val="110000"/>
+              </a:lnSpc>
+              <a:spcBef>
+                <a:spcPts val="1000"/>
+              </a:spcBef>
+            </a:pPr>
+            <a:r>
+              <a:rPr lang="en-US" sz="1600" dirty="0" err="1">
+                <a:solidFill>
+                  <a:schemeClr val="tx2">
+                    <a:lumMod val="60000"/>
+                    <a:lumOff val="40000"/>
+                  </a:schemeClr>
+                </a:solidFill>
+              </a:rPr>
+              <a:t>RandomForestClassifier</a:t>
+            </a:r>
+            <a:r>
+              <a:rPr lang="en-US" sz="1600" dirty="0">
+                <a:solidFill>
+                  <a:schemeClr val="tx2">
+                    <a:lumMod val="60000"/>
+                    <a:lumOff val="40000"/>
+                  </a:schemeClr>
+                </a:solidFill>
+              </a:rPr>
+              <a:t>(</a:t>
+            </a:r>
+            <a:r>
+              <a:rPr lang="en-US" sz="1600" dirty="0" err="1">
+                <a:solidFill>
+                  <a:schemeClr val="tx2">
+                    <a:lumMod val="60000"/>
+                    <a:lumOff val="40000"/>
+                  </a:schemeClr>
+                </a:solidFill>
+              </a:rPr>
+              <a:t>n_estimators</a:t>
+            </a:r>
+            <a:r>
+              <a:rPr lang="en-US" sz="1600" dirty="0">
+                <a:solidFill>
+                  <a:schemeClr val="tx2">
+                    <a:lumMod val="60000"/>
+                    <a:lumOff val="40000"/>
+                  </a:schemeClr>
+                </a:solidFill>
+              </a:rPr>
+              <a:t>=100, </a:t>
+            </a:r>
+            <a:r>
+              <a:rPr lang="en-US" sz="1600" dirty="0" err="1">
+                <a:solidFill>
+                  <a:schemeClr val="tx2">
+                    <a:lumMod val="60000"/>
+                    <a:lumOff val="40000"/>
+                  </a:schemeClr>
+                </a:solidFill>
+              </a:rPr>
+              <a:t>max_depth</a:t>
+            </a:r>
+            <a:r>
+              <a:rPr lang="en-US" sz="1600" dirty="0">
+                <a:solidFill>
+                  <a:schemeClr val="tx2">
+                    <a:lumMod val="60000"/>
+                    <a:lumOff val="40000"/>
+                  </a:schemeClr>
+                </a:solidFill>
+              </a:rPr>
+              <a:t>=6, </a:t>
+            </a:r>
+            <a:r>
+              <a:rPr lang="en-US" sz="1600" dirty="0" err="1">
+                <a:solidFill>
+                  <a:schemeClr val="tx2">
+                    <a:lumMod val="60000"/>
+                    <a:lumOff val="40000"/>
+                  </a:schemeClr>
+                </a:solidFill>
+              </a:rPr>
+              <a:t>min_samples_split</a:t>
+            </a:r>
+            <a:r>
+              <a:rPr lang="en-US" sz="1600" dirty="0">
+                <a:solidFill>
+                  <a:schemeClr val="tx2">
+                    <a:lumMod val="60000"/>
+                    <a:lumOff val="40000"/>
+                  </a:schemeClr>
+                </a:solidFill>
+              </a:rPr>
+              <a:t>=14, </a:t>
+            </a:r>
+            <a:r>
+              <a:rPr lang="en-US" sz="1600" dirty="0" err="1">
+                <a:solidFill>
+                  <a:schemeClr val="tx2">
+                    <a:lumMod val="60000"/>
+                    <a:lumOff val="40000"/>
+                  </a:schemeClr>
+                </a:solidFill>
+              </a:rPr>
+              <a:t>min_samples_leaf</a:t>
+            </a:r>
+            <a:r>
+              <a:rPr lang="en-US" sz="1600" dirty="0">
+                <a:solidFill>
+                  <a:schemeClr val="tx2">
+                    <a:lumMod val="60000"/>
+                    <a:lumOff val="40000"/>
+                  </a:schemeClr>
+                </a:solidFill>
+              </a:rPr>
+              <a:t>=5, </a:t>
+            </a:r>
+            <a:r>
+              <a:rPr lang="en-US" sz="1600" dirty="0" err="1">
+                <a:solidFill>
+                  <a:schemeClr val="tx2">
+                    <a:lumMod val="60000"/>
+                    <a:lumOff val="40000"/>
+                  </a:schemeClr>
+                </a:solidFill>
+              </a:rPr>
+              <a:t>max_features</a:t>
+            </a:r>
+            <a:r>
+              <a:rPr lang="en-US" sz="1600" dirty="0">
+                <a:solidFill>
+                  <a:schemeClr val="tx2">
+                    <a:lumMod val="60000"/>
+                    <a:lumOff val="40000"/>
+                  </a:schemeClr>
+                </a:solidFill>
+              </a:rPr>
+              <a:t>=28, bootstrap=True)</a:t>
+            </a:r>
+          </a:p>
+          <a:p>
+            <a:pPr>
+              <a:lnSpc>
+                <a:spcPct val="110000"/>
+              </a:lnSpc>
+              <a:spcBef>
+                <a:spcPts val="1000"/>
+              </a:spcBef>
+            </a:pPr>
+            <a:r>
+              <a:rPr lang="en-US" sz="1600" b="1" dirty="0">
+                <a:solidFill>
+                  <a:schemeClr val="tx2">
+                    <a:lumMod val="60000"/>
+                    <a:lumOff val="40000"/>
+                  </a:schemeClr>
+                </a:solidFill>
+              </a:rPr>
+              <a:t>Accuracy: </a:t>
+            </a:r>
+            <a:r>
+              <a:rPr lang="en-US" sz="1600" dirty="0">
+                <a:solidFill>
+                  <a:schemeClr val="tx2">
+                    <a:lumMod val="60000"/>
+                    <a:lumOff val="40000"/>
+                  </a:schemeClr>
+                </a:solidFill>
+              </a:rPr>
+              <a:t>0.91175</a:t>
+            </a:r>
+          </a:p>
+          <a:p>
+            <a:pPr>
+              <a:lnSpc>
+                <a:spcPct val="110000"/>
+              </a:lnSpc>
+              <a:spcBef>
+                <a:spcPts val="1000"/>
+              </a:spcBef>
+            </a:pPr>
+            <a:endParaRPr lang="en-US" dirty="0">
+              <a:solidFill>
+                <a:schemeClr val="tx2">
+                  <a:lumMod val="60000"/>
+                  <a:lumOff val="40000"/>
+                </a:schemeClr>
+              </a:solidFill>
+            </a:endParaRPr>
+          </a:p>
+          <a:p>
+            <a:pPr>
+              <a:lnSpc>
+                <a:spcPct val="110000"/>
+              </a:lnSpc>
+              <a:spcBef>
+                <a:spcPts val="1000"/>
+              </a:spcBef>
+            </a:pPr>
+            <a:endParaRPr lang="en-US" dirty="0">
+              <a:solidFill>
+                <a:schemeClr val="tx2">
+                  <a:lumMod val="60000"/>
+                  <a:lumOff val="40000"/>
+                </a:schemeClr>
+              </a:solidFill>
+            </a:endParaRPr>
+          </a:p>
+          <a:p>
+            <a:pPr>
+              <a:lnSpc>
+                <a:spcPct val="110000"/>
+              </a:lnSpc>
+              <a:spcBef>
+                <a:spcPts val="1000"/>
+              </a:spcBef>
+            </a:pPr>
+            <a:endParaRPr lang="en-US" dirty="0">
+              <a:solidFill>
+                <a:schemeClr val="tx2">
+                  <a:lumMod val="60000"/>
+                  <a:lumOff val="40000"/>
+                </a:schemeClr>
+              </a:solidFill>
+            </a:endParaRPr>
+          </a:p>
+          <a:p>
+            <a:pPr>
+              <a:lnSpc>
+                <a:spcPct val="110000"/>
+              </a:lnSpc>
+              <a:spcBef>
+                <a:spcPts val="1000"/>
+              </a:spcBef>
+            </a:pPr>
+            <a:endParaRPr lang="en-US" dirty="0">
+              <a:solidFill>
+                <a:schemeClr val="tx2">
+                  <a:lumMod val="60000"/>
+                  <a:lumOff val="40000"/>
+                </a:schemeClr>
+              </a:solidFill>
+            </a:endParaRPr>
+          </a:p>
+        </p:txBody>
+      </p:sp>
+      <p:pic>
+        <p:nvPicPr>
+          <p:cNvPr id="11" name="Picture 10">
+            <a:extLst>
+              <a:ext uri="{FF2B5EF4-FFF2-40B4-BE49-F238E27FC236}">
+                <a16:creationId xmlns:a16="http://schemas.microsoft.com/office/drawing/2014/main" id="{F5656DB6-F091-4228-9CBB-2685CAC6DC20}"/>
+              </a:ext>
+            </a:extLst>
+          </p:cNvPr>
+          <p:cNvPicPr>
+            <a:picLocks noChangeAspect="1"/>
+          </p:cNvPicPr>
+          <p:nvPr/>
+        </p:nvPicPr>
+        <p:blipFill>
+          <a:blip r:embed="rId2"/>
+          <a:stretch>
+            <a:fillRect/>
+          </a:stretch>
+        </p:blipFill>
+        <p:spPr>
+          <a:xfrm>
+            <a:off x="6778965" y="2786451"/>
+            <a:ext cx="4729331" cy="3466557"/>
+          </a:xfrm>
+          <a:prstGeom prst="rect">
+            <a:avLst/>
+          </a:prstGeom>
+        </p:spPr>
+      </p:pic>
+      <p:graphicFrame>
+        <p:nvGraphicFramePr>
+          <p:cNvPr id="19" name="Table 19">
+            <a:extLst>
+              <a:ext uri="{FF2B5EF4-FFF2-40B4-BE49-F238E27FC236}">
+                <a16:creationId xmlns:a16="http://schemas.microsoft.com/office/drawing/2014/main" id="{BAC60234-151A-4DD7-9CE4-18B895634533}"/>
+              </a:ext>
+            </a:extLst>
+          </p:cNvPr>
+          <p:cNvGraphicFramePr>
+            <a:graphicFrameLocks noGrp="1"/>
+          </p:cNvGraphicFramePr>
+          <p:nvPr>
+            <p:extLst>
+              <p:ext uri="{D42A27DB-BD31-4B8C-83A1-F6EECF244321}">
+                <p14:modId xmlns:p14="http://schemas.microsoft.com/office/powerpoint/2010/main" val="583452123"/>
+              </p:ext>
+            </p:extLst>
+          </p:nvPr>
+        </p:nvGraphicFramePr>
+        <p:xfrm>
+          <a:off x="737587" y="3407210"/>
+          <a:ext cx="5358413" cy="1112520"/>
+        </p:xfrm>
+        <a:graphic>
+          <a:graphicData uri="http://schemas.openxmlformats.org/drawingml/2006/table">
+            <a:tbl>
+              <a:tblPr firstRow="1" bandRow="1">
+                <a:tableStyleId>{93296810-A885-4BE3-A3E7-6D5BEEA58F35}</a:tableStyleId>
+              </a:tblPr>
+              <a:tblGrid>
+                <a:gridCol w="1026111">
+                  <a:extLst>
+                    <a:ext uri="{9D8B030D-6E8A-4147-A177-3AD203B41FA5}">
+                      <a16:colId xmlns:a16="http://schemas.microsoft.com/office/drawing/2014/main" val="3978150622"/>
+                    </a:ext>
+                  </a:extLst>
+                </a:gridCol>
+                <a:gridCol w="1340528">
+                  <a:extLst>
+                    <a:ext uri="{9D8B030D-6E8A-4147-A177-3AD203B41FA5}">
+                      <a16:colId xmlns:a16="http://schemas.microsoft.com/office/drawing/2014/main" val="2095135705"/>
+                    </a:ext>
+                  </a:extLst>
+                </a:gridCol>
+                <a:gridCol w="1322773">
+                  <a:extLst>
+                    <a:ext uri="{9D8B030D-6E8A-4147-A177-3AD203B41FA5}">
+                      <a16:colId xmlns:a16="http://schemas.microsoft.com/office/drawing/2014/main" val="868208144"/>
+                    </a:ext>
+                  </a:extLst>
+                </a:gridCol>
+                <a:gridCol w="1669001">
+                  <a:extLst>
+                    <a:ext uri="{9D8B030D-6E8A-4147-A177-3AD203B41FA5}">
+                      <a16:colId xmlns:a16="http://schemas.microsoft.com/office/drawing/2014/main" val="2952094310"/>
+                    </a:ext>
+                  </a:extLst>
+                </a:gridCol>
+              </a:tblGrid>
+              <a:tr h="370840">
+                <a:tc>
+                  <a:txBody>
+                    <a:bodyPr/>
+                    <a:lstStyle/>
+                    <a:p>
+                      <a:r>
+                        <a:rPr lang="en-US" dirty="0"/>
+                        <a:t>Target</a:t>
+                      </a:r>
+                    </a:p>
+                  </a:txBody>
+                  <a:tcPr/>
+                </a:tc>
+                <a:tc>
+                  <a:txBody>
+                    <a:bodyPr/>
+                    <a:lstStyle/>
+                    <a:p>
+                      <a:r>
+                        <a:rPr lang="en-US" dirty="0"/>
+                        <a:t>Precision</a:t>
+                      </a:r>
+                    </a:p>
+                  </a:txBody>
+                  <a:tcPr/>
+                </a:tc>
+                <a:tc>
+                  <a:txBody>
+                    <a:bodyPr/>
+                    <a:lstStyle/>
+                    <a:p>
+                      <a:r>
+                        <a:rPr lang="en-US" dirty="0"/>
+                        <a:t>Recall</a:t>
+                      </a:r>
+                    </a:p>
+                  </a:txBody>
+                  <a:tcPr/>
+                </a:tc>
+                <a:tc>
+                  <a:txBody>
+                    <a:bodyPr/>
+                    <a:lstStyle/>
+                    <a:p>
+                      <a:r>
+                        <a:rPr lang="en-US" dirty="0"/>
+                        <a:t>F1-score</a:t>
+                      </a:r>
+                    </a:p>
+                  </a:txBody>
+                  <a:tcPr/>
+                </a:tc>
+                <a:extLst>
+                  <a:ext uri="{0D108BD9-81ED-4DB2-BD59-A6C34878D82A}">
+                    <a16:rowId xmlns:a16="http://schemas.microsoft.com/office/drawing/2014/main" val="981590224"/>
+                  </a:ext>
+                </a:extLst>
+              </a:tr>
+              <a:tr h="370840">
+                <a:tc>
+                  <a:txBody>
+                    <a:bodyPr/>
+                    <a:lstStyle/>
+                    <a:p>
+                      <a:r>
+                        <a:rPr lang="en-US" b="1" dirty="0"/>
+                        <a:t>0</a:t>
+                      </a:r>
+                    </a:p>
+                  </a:txBody>
+                  <a:tcPr/>
+                </a:tc>
+                <a:tc>
+                  <a:txBody>
+                    <a:bodyPr/>
+                    <a:lstStyle/>
+                    <a:p>
+                      <a:r>
+                        <a:rPr lang="en-US" dirty="0"/>
+                        <a:t>0.93</a:t>
+                      </a:r>
+                    </a:p>
+                  </a:txBody>
+                  <a:tcPr/>
+                </a:tc>
+                <a:tc>
+                  <a:txBody>
+                    <a:bodyPr/>
+                    <a:lstStyle/>
+                    <a:p>
+                      <a:r>
+                        <a:rPr lang="en-US" dirty="0"/>
+                        <a:t>0.98</a:t>
+                      </a:r>
+                    </a:p>
+                  </a:txBody>
+                  <a:tcPr/>
+                </a:tc>
+                <a:tc>
+                  <a:txBody>
+                    <a:bodyPr/>
+                    <a:lstStyle/>
+                    <a:p>
+                      <a:r>
+                        <a:rPr lang="en-US" dirty="0"/>
+                        <a:t>0.95</a:t>
+                      </a:r>
+                    </a:p>
+                  </a:txBody>
+                  <a:tcPr/>
+                </a:tc>
+                <a:extLst>
+                  <a:ext uri="{0D108BD9-81ED-4DB2-BD59-A6C34878D82A}">
+                    <a16:rowId xmlns:a16="http://schemas.microsoft.com/office/drawing/2014/main" val="2310882705"/>
+                  </a:ext>
+                </a:extLst>
+              </a:tr>
+              <a:tr h="370840">
+                <a:tc>
+                  <a:txBody>
+                    <a:bodyPr/>
+                    <a:lstStyle/>
+                    <a:p>
+                      <a:r>
+                        <a:rPr lang="en-US" b="1" dirty="0"/>
+                        <a:t>1</a:t>
+                      </a:r>
+                    </a:p>
+                  </a:txBody>
+                  <a:tcPr/>
+                </a:tc>
+                <a:tc>
+                  <a:txBody>
+                    <a:bodyPr/>
+                    <a:lstStyle/>
+                    <a:p>
+                      <a:r>
+                        <a:rPr lang="en-US" dirty="0"/>
+                        <a:t>0.70</a:t>
+                      </a:r>
+                    </a:p>
+                  </a:txBody>
+                  <a:tcPr/>
+                </a:tc>
+                <a:tc>
+                  <a:txBody>
+                    <a:bodyPr/>
+                    <a:lstStyle/>
+                    <a:p>
+                      <a:r>
+                        <a:rPr lang="en-US" dirty="0"/>
+                        <a:t>0.40</a:t>
+                      </a:r>
+                    </a:p>
+                  </a:txBody>
+                  <a:tcPr/>
+                </a:tc>
+                <a:tc>
+                  <a:txBody>
+                    <a:bodyPr/>
+                    <a:lstStyle/>
+                    <a:p>
+                      <a:r>
+                        <a:rPr lang="en-US" dirty="0"/>
+                        <a:t>0.51</a:t>
+                      </a:r>
+                    </a:p>
+                  </a:txBody>
+                  <a:tcPr/>
+                </a:tc>
+                <a:extLst>
+                  <a:ext uri="{0D108BD9-81ED-4DB2-BD59-A6C34878D82A}">
+                    <a16:rowId xmlns:a16="http://schemas.microsoft.com/office/drawing/2014/main" val="664168674"/>
+                  </a:ext>
+                </a:extLst>
+              </a:tr>
+            </a:tbl>
+          </a:graphicData>
+        </a:graphic>
+      </p:graphicFrame>
+      <p:sp>
+        <p:nvSpPr>
+          <p:cNvPr id="3" name="TextBox 2">
+            <a:extLst>
+              <a:ext uri="{FF2B5EF4-FFF2-40B4-BE49-F238E27FC236}">
+                <a16:creationId xmlns:a16="http://schemas.microsoft.com/office/drawing/2014/main" id="{136220BC-6560-4ADE-8732-6F779173775D}"/>
+              </a:ext>
+            </a:extLst>
+          </p:cNvPr>
+          <p:cNvSpPr txBox="1"/>
+          <p:nvPr/>
+        </p:nvSpPr>
+        <p:spPr>
+          <a:xfrm>
+            <a:off x="838200" y="3042361"/>
+            <a:ext cx="2210171" cy="338554"/>
+          </a:xfrm>
+          <a:prstGeom prst="rect">
+            <a:avLst/>
+          </a:prstGeom>
+          <a:noFill/>
+        </p:spPr>
+        <p:txBody>
+          <a:bodyPr wrap="square" rtlCol="0">
+            <a:spAutoFit/>
+          </a:bodyPr>
+          <a:lstStyle/>
+          <a:p>
+            <a:r>
+              <a:rPr lang="en-US" sz="1600" b="1" dirty="0">
+                <a:solidFill>
+                  <a:schemeClr val="tx2">
+                    <a:lumMod val="60000"/>
+                    <a:lumOff val="40000"/>
+                  </a:schemeClr>
+                </a:solidFill>
+              </a:rPr>
+              <a:t>Classification Report</a:t>
+            </a:r>
+          </a:p>
+        </p:txBody>
+      </p:sp>
+    </p:spTree>
+    <p:extLst>
+      <p:ext uri="{BB962C8B-B14F-4D97-AF65-F5344CB8AC3E}">
+        <p14:creationId xmlns:p14="http://schemas.microsoft.com/office/powerpoint/2010/main" val="1754233324"/>
+      </p:ext>
+    </p:extLst>
+  </p:cSld>
+  <p:clrMapOvr>
+    <a:masterClrMapping/>
+  </p:clrMapOvr>
+</p:sld>
+</file>
+
 <file path=ppt/slides/slide2.xml><?xml version="1.0" encoding="utf-8"?>
 <p:sld xmlns:a="http://schemas.openxmlformats.org/drawingml/2006/main" xmlns:r="http://schemas.openxmlformats.org/officeDocument/2006/relationships" xmlns:p="http://schemas.openxmlformats.org/presentationml/2006/main">
   <p:cSld>
@@ -9784,33 +10436,33 @@
           <a:lstStyle/>
           <a:p>
             <a:r>
-              <a:rPr lang="en-US" dirty="0"/>
+              <a:rPr lang="en-US" sz="2400" dirty="0"/>
               <a:t>Creating dummy variables</a:t>
             </a:r>
           </a:p>
           <a:p>
             <a:r>
-              <a:rPr lang="en-US" dirty="0"/>
+              <a:rPr lang="en-US" sz="2400" dirty="0"/>
               <a:t>Creating new columns </a:t>
             </a:r>
           </a:p>
           <a:p>
             <a:r>
-              <a:rPr lang="en-US" dirty="0"/>
+              <a:rPr lang="en-US" sz="2400" dirty="0"/>
               <a:t>Using </a:t>
             </a:r>
             <a:r>
-              <a:rPr lang="en-US" dirty="0" err="1"/>
+              <a:rPr lang="en-US" sz="2400" dirty="0" err="1"/>
               <a:t>RandomForestClassifier</a:t>
             </a:r>
             <a:r>
-              <a:rPr lang="en-US" dirty="0"/>
+              <a:rPr lang="en-US" sz="2400" dirty="0"/>
               <a:t> model</a:t>
             </a:r>
           </a:p>
           <a:p>
             <a:r>
-              <a:rPr lang="en-US" dirty="0"/>
+              <a:rPr lang="en-US" sz="2400" dirty="0"/>
               <a:t>Using the Confusion Matrix</a:t>
             </a:r>
           </a:p>
@@ -9847,7 +10499,7 @@
         </p:blipFill>
         <p:spPr>
           <a:xfrm>
-            <a:off x="6555922" y="2052886"/>
+            <a:off x="6928784" y="2052886"/>
             <a:ext cx="4305300" cy="3238500"/>
           </a:xfrm>
           <a:prstGeom prst="rect">
@@ -10767,7 +11419,7 @@
         <p:spPr>
           <a:xfrm>
             <a:off x="841248" y="2678251"/>
-            <a:ext cx="8817102" cy="1918725"/>
+            <a:ext cx="5728219" cy="1918725"/>
           </a:xfrm>
         </p:spPr>
         <p:txBody>
@@ -10782,7 +11434,7 @@
               </a:lnSpc>
             </a:pPr>
             <a:r>
-              <a:rPr lang="en-US" sz="1700" dirty="0">
+              <a:rPr lang="en-US" sz="2400" dirty="0">
                 <a:solidFill>
                   <a:srgbClr val="FFFFFF"/>
                 </a:solidFill>
@@ -10790,7 +11442,7 @@
               <a:t>Running </a:t>
             </a:r>
             <a:r>
-              <a:rPr lang="en-US" sz="1700" dirty="0" err="1">
+              <a:rPr lang="en-US" sz="2400" dirty="0" err="1">
                 <a:solidFill>
                   <a:srgbClr val="FFFFFF"/>
                 </a:solidFill>
@@ -10798,7 +11450,7 @@
               <a:t>RandomForestRegressor</a:t>
             </a:r>
             <a:r>
-              <a:rPr lang="en-US" sz="1700" dirty="0">
+              <a:rPr lang="en-US" sz="2400" dirty="0">
                 <a:solidFill>
                   <a:srgbClr val="FFFFFF"/>
                 </a:solidFill>
@@ -10813,7 +11465,7 @@
               </a:lnSpc>
             </a:pPr>
             <a:r>
-              <a:rPr lang="en-US" sz="1700" dirty="0">
+              <a:rPr lang="en-US" sz="2400" dirty="0">
                 <a:solidFill>
                   <a:srgbClr val="FFFFFF"/>
                 </a:solidFill>
@@ -10828,7 +11480,7 @@
               </a:lnSpc>
             </a:pPr>
             <a:r>
-              <a:rPr lang="en-US" sz="1700" dirty="0">
+              <a:rPr lang="en-US" sz="2400" dirty="0">
                 <a:solidFill>
                   <a:srgbClr val="FFFFFF"/>
                 </a:solidFill>
@@ -11786,8 +12438,8 @@
         </p:nvSpPr>
         <p:spPr>
           <a:xfrm>
-            <a:off x="841248" y="2680853"/>
-            <a:ext cx="8817102" cy="1918725"/>
+            <a:off x="841247" y="2680853"/>
+            <a:ext cx="10522169" cy="1918725"/>
           </a:xfrm>
         </p:spPr>
         <p:txBody>
@@ -11802,7 +12454,7 @@
               </a:lnSpc>
             </a:pPr>
             <a:r>
-              <a:rPr lang="en-US" sz="1700" dirty="0">
+              <a:rPr lang="en-US" sz="2600" dirty="0">
                 <a:solidFill>
                   <a:srgbClr val="FFFFFF"/>
                 </a:solidFill>
@@ -11817,7 +12469,7 @@
               </a:lnSpc>
             </a:pPr>
             <a:r>
-              <a:rPr lang="en-US" sz="1700" dirty="0">
+              <a:rPr lang="en-US" sz="2600" dirty="0">
                 <a:solidFill>
                   <a:srgbClr val="FFFFFF"/>
                 </a:solidFill>
@@ -11832,7 +12484,7 @@
               </a:lnSpc>
             </a:pPr>
             <a:r>
-              <a:rPr lang="en-US" sz="1700" dirty="0">
+              <a:rPr lang="en-US" sz="2600" dirty="0">
                 <a:solidFill>
                   <a:srgbClr val="FFFFFF"/>
                 </a:solidFill>
@@ -11847,14 +12499,11 @@
               </a:lnSpc>
               <a:buNone/>
             </a:pPr>
-            <a:r>
-              <a:rPr lang="en-US" sz="1700" dirty="0">
-                <a:solidFill>
-                  <a:srgbClr val="FFFFFF"/>
-                </a:solidFill>
-              </a:rPr>
-              <a:t> </a:t>
-            </a:r>
+            <a:endParaRPr lang="en-US" sz="3100" dirty="0">
+              <a:solidFill>
+                <a:srgbClr val="FFFFFF"/>
+              </a:solidFill>
+            </a:endParaRPr>
           </a:p>
           <a:p>
             <a:pPr>

--- a/Group_Project_Presentation_V3.pptx
+++ b/Group_Project_Presentation_V3.pptx
@@ -1112,8 +1112,8 @@
   <dgm:cxnLst>
     <dgm:cxn modelId="{01070605-0073-48EE-96D0-B6CEDD11A999}" srcId="{10A11FE6-D215-4839-9397-959302DD37E8}" destId="{3F29C0CB-E609-4002-A09E-7E9850F362F6}" srcOrd="0" destOrd="0" parTransId="{CA55E100-4CED-4AC5-A0D0-84076BE327D9}" sibTransId="{9F9AE2C3-8166-421C-9AF6-6EA3B7311CC1}"/>
     <dgm:cxn modelId="{60BAC306-08E0-1F4F-AF0C-699BF9441045}" type="presOf" srcId="{9F9AE2C3-8166-421C-9AF6-6EA3B7311CC1}" destId="{98096ECC-22B3-BD49-BBCA-9A016369CC97}" srcOrd="0" destOrd="0" presId="urn:microsoft.com/office/officeart/2016/7/layout/LinearBlockProcessNumbered"/>
+    <dgm:cxn modelId="{F0A24854-CD54-6D4A-976C-025F97F87D57}" type="presOf" srcId="{3F29C0CB-E609-4002-A09E-7E9850F362F6}" destId="{1A1525E3-745A-D944-9742-C0C11EE95C86}" srcOrd="0" destOrd="0" presId="urn:microsoft.com/office/officeart/2016/7/layout/LinearBlockProcessNumbered"/>
     <dgm:cxn modelId="{09A51B61-5704-DA47-9A14-D34093C12180}" type="presOf" srcId="{1864F3BB-F9C8-4B2B-ACBA-4B11D8BA987B}" destId="{016F7652-253F-794A-A9A1-AA8A275C59CE}" srcOrd="0" destOrd="0" presId="urn:microsoft.com/office/officeart/2016/7/layout/LinearBlockProcessNumbered"/>
-    <dgm:cxn modelId="{F0A24854-CD54-6D4A-976C-025F97F87D57}" type="presOf" srcId="{3F29C0CB-E609-4002-A09E-7E9850F362F6}" destId="{1A1525E3-745A-D944-9742-C0C11EE95C86}" srcOrd="0" destOrd="0" presId="urn:microsoft.com/office/officeart/2016/7/layout/LinearBlockProcessNumbered"/>
     <dgm:cxn modelId="{8DF41D8E-7061-304F-AC3B-5A3082C278C0}" type="presOf" srcId="{3F29C0CB-E609-4002-A09E-7E9850F362F6}" destId="{6AE5319C-C5D4-6742-A883-B725AEBD3D2A}" srcOrd="1" destOrd="0" presId="urn:microsoft.com/office/officeart/2016/7/layout/LinearBlockProcessNumbered"/>
     <dgm:cxn modelId="{7B3B6594-A33A-7040-AB3C-B1190DB66A04}" type="presOf" srcId="{A2C53562-E8D3-42A4-A56B-9D73A16B6C6F}" destId="{2F15CE52-27FE-B446-82E1-47E84169F6A2}" srcOrd="0" destOrd="0" presId="urn:microsoft.com/office/officeart/2016/7/layout/LinearBlockProcessNumbered"/>
     <dgm:cxn modelId="{C3A8D4A9-C9A0-4AD9-8A10-5B3A433EBDF0}" srcId="{10A11FE6-D215-4839-9397-959302DD37E8}" destId="{A1607960-316E-4CB7-9234-FCB9977A5D77}" srcOrd="1" destOrd="0" parTransId="{08B30614-26A0-4E6C-A946-CCED4B922852}" sibTransId="{1864F3BB-F9C8-4B2B-ACBA-4B11D8BA987B}"/>
@@ -3052,7 +3052,7 @@
           <a:p>
             <a:fld id="{9549D6DC-E1CB-4874-BF52-C3407230D20E}" type="datetime1">
               <a:rPr lang="en-US" smtClean="0"/>
-              <a:t>6/25/2021</a:t>
+              <a:t>6/25/21</a:t>
             </a:fld>
             <a:endParaRPr lang="en-US"/>
           </a:p>
@@ -3261,7 +3261,7 @@
           <a:p>
             <a:fld id="{F7701D81-C4B9-4A87-89A7-22E29E6C9200}" type="datetime1">
               <a:rPr lang="en-US" smtClean="0"/>
-              <a:t>6/25/2021</a:t>
+              <a:t>6/25/21</a:t>
             </a:fld>
             <a:endParaRPr lang="en-US"/>
           </a:p>
@@ -3471,7 +3471,7 @@
           <a:p>
             <a:fld id="{EE307718-69F7-427E-95A3-C1246AF46913}" type="datetime1">
               <a:rPr lang="en-US" smtClean="0"/>
-              <a:t>6/25/2021</a:t>
+              <a:t>6/25/21</a:t>
             </a:fld>
             <a:endParaRPr lang="en-US"/>
           </a:p>
@@ -3748,7 +3748,7 @@
           <a:p>
             <a:fld id="{48913E51-B7F7-4C24-B8E3-5471755DC0E0}" type="datetime1">
               <a:rPr lang="en-US" smtClean="0"/>
-              <a:t>6/25/2021</a:t>
+              <a:t>6/25/21</a:t>
             </a:fld>
             <a:endParaRPr lang="en-US"/>
           </a:p>
@@ -4029,7 +4029,7 @@
           <a:p>
             <a:fld id="{DA91A59F-D956-4598-A3C1-AE72A5387751}" type="datetime1">
               <a:rPr lang="en-US" smtClean="0"/>
-              <a:t>6/25/2021</a:t>
+              <a:t>6/25/21</a:t>
             </a:fld>
             <a:endParaRPr lang="en-US" dirty="0"/>
           </a:p>
@@ -4374,7 +4374,7 @@
           <a:p>
             <a:fld id="{D70BBD69-7BD3-4731-8064-242619E92CBE}" type="datetime1">
               <a:rPr lang="en-US" smtClean="0"/>
-              <a:t>6/25/2021</a:t>
+              <a:t>6/25/21</a:t>
             </a:fld>
             <a:endParaRPr lang="en-US"/>
           </a:p>
@@ -4906,7 +4906,7 @@
           <a:p>
             <a:fld id="{38BD77D9-239F-488B-9358-023C46BC7084}" type="datetime1">
               <a:rPr lang="en-US" smtClean="0"/>
-              <a:t>6/25/2021</a:t>
+              <a:t>6/25/21</a:t>
             </a:fld>
             <a:endParaRPr lang="en-US"/>
           </a:p>
@@ -5130,7 +5130,7 @@
           <a:p>
             <a:fld id="{1EE61C24-7140-4FDE-92F3-654C6E2D3C1C}" type="datetime1">
               <a:rPr lang="en-US" smtClean="0"/>
-              <a:t>6/25/2021</a:t>
+              <a:t>6/25/21</a:t>
             </a:fld>
             <a:endParaRPr lang="en-US"/>
           </a:p>
@@ -5243,7 +5243,7 @@
           <a:p>
             <a:fld id="{DC4D6ACF-ECB9-4B5F-A429-08B8AC75E8EF}" type="datetime1">
               <a:rPr lang="en-US" smtClean="0"/>
-              <a:t>6/25/2021</a:t>
+              <a:t>6/25/21</a:t>
             </a:fld>
             <a:endParaRPr lang="en-US"/>
           </a:p>
@@ -5562,7 +5562,7 @@
           <a:p>
             <a:fld id="{788B429B-EE2A-486A-BDB9-0C848B4FAFDD}" type="datetime1">
               <a:rPr lang="en-US" smtClean="0"/>
-              <a:t>6/25/2021</a:t>
+              <a:t>6/25/21</a:t>
             </a:fld>
             <a:endParaRPr lang="en-US"/>
           </a:p>
@@ -5859,7 +5859,7 @@
           <a:p>
             <a:fld id="{8DA5FE4A-CB8D-40AB-BFFC-AAF37EA071CB}" type="datetime1">
               <a:rPr lang="en-US" smtClean="0"/>
-              <a:t>6/25/2021</a:t>
+              <a:t>6/25/21</a:t>
             </a:fld>
             <a:endParaRPr lang="en-US"/>
           </a:p>
@@ -6507,7 +6507,7 @@
           <a:p>
             <a:fld id="{C0517C94-3B1E-4991-BED3-41F8B0158A00}" type="datetime1">
               <a:rPr lang="en-US" smtClean="0"/>
-              <a:t>6/25/2021</a:t>
+              <a:t>6/25/21</a:t>
             </a:fld>
             <a:endParaRPr lang="en-US" dirty="0"/>
           </a:p>
@@ -10547,10 +10547,10 @@
       </p:grpSpPr>
       <p:sp useBgFill="1">
         <p:nvSpPr>
-          <p:cNvPr id="9" name="Rectangle 8">
+          <p:cNvPr id="26" name="Rectangle 25">
             <a:extLst>
               <a:ext uri="{FF2B5EF4-FFF2-40B4-BE49-F238E27FC236}">
-                <a16:creationId xmlns:a16="http://schemas.microsoft.com/office/drawing/2014/main" id="{AE6FDE22-1F54-452D-A9BA-1BE9FDB53450}"/>
+                <a16:creationId xmlns:a16="http://schemas.microsoft.com/office/drawing/2014/main" id="{CF10C978-51B5-420C-9A05-C8F194EACAC3}"/>
               </a:ext>
               <a:ext uri="{C183D7F6-B498-43B3-948B-1728B52AA6E4}">
                 <adec:decorative xmlns:adec="http://schemas.microsoft.com/office/drawing/2017/decorative" val="1"/>
@@ -10570,8 +10570,8 @@
         </p:nvSpPr>
         <p:spPr>
           <a:xfrm>
-            <a:off x="-1" y="3"/>
-            <a:ext cx="12192001" cy="6857997"/>
+            <a:off x="1903" y="-597"/>
+            <a:ext cx="12192000" cy="6857997"/>
           </a:xfrm>
           <a:prstGeom prst="rect">
             <a:avLst/>
@@ -10601,16 +10601,16 @@
           <a:lstStyle/>
           <a:p>
             <a:pPr algn="ctr"/>
-            <a:endParaRPr lang="en-US"/>
+            <a:endParaRPr lang="en-US" dirty="0"/>
           </a:p>
         </p:txBody>
       </p:sp>
       <p:sp>
         <p:nvSpPr>
-          <p:cNvPr id="11" name="Rectangle 10">
+          <p:cNvPr id="28" name="Rectangle 27">
             <a:extLst>
               <a:ext uri="{FF2B5EF4-FFF2-40B4-BE49-F238E27FC236}">
-                <a16:creationId xmlns:a16="http://schemas.microsoft.com/office/drawing/2014/main" id="{E24727BA-2777-4823-88E1-1B4B61968504}"/>
+                <a16:creationId xmlns:a16="http://schemas.microsoft.com/office/drawing/2014/main" id="{28D34D1C-4E49-4D32-96F1-E49CEBBF86E0}"/>
               </a:ext>
               <a:ext uri="{C183D7F6-B498-43B3-948B-1728B52AA6E4}">
                 <adec:decorative xmlns:adec="http://schemas.microsoft.com/office/drawing/2017/decorative" val="1"/>
@@ -10630,14 +10630,17 @@
         </p:nvSpPr>
         <p:spPr>
           <a:xfrm>
-            <a:off x="0" y="-1"/>
+            <a:off x="2189" y="0"/>
             <a:ext cx="12192000" cy="6857997"/>
           </a:xfrm>
           <a:prstGeom prst="rect">
             <a:avLst/>
           </a:prstGeom>
           <a:solidFill>
-            <a:schemeClr val="bg1"/>
+            <a:schemeClr val="bg2">
+              <a:lumMod val="60000"/>
+              <a:lumOff val="40000"/>
+            </a:schemeClr>
           </a:solidFill>
           <a:ln>
             <a:noFill/>
@@ -10664,113 +10667,16 @@
           <a:lstStyle/>
           <a:p>
             <a:pPr algn="ctr"/>
-            <a:endParaRPr lang="en-US"/>
+            <a:endParaRPr lang="en-US" dirty="0"/>
           </a:p>
         </p:txBody>
       </p:sp>
-      <p:sp>
-        <p:nvSpPr>
-          <p:cNvPr id="13" name="Rectangle 12">
+      <p:grpSp>
+        <p:nvGrpSpPr>
+          <p:cNvPr id="30" name="Group 29">
             <a:extLst>
               <a:ext uri="{FF2B5EF4-FFF2-40B4-BE49-F238E27FC236}">
-                <a16:creationId xmlns:a16="http://schemas.microsoft.com/office/drawing/2014/main" id="{2AB0E0E5-A956-4B80-A317-E670B96CB03B}"/>
-              </a:ext>
-              <a:ext uri="{C183D7F6-B498-43B3-948B-1728B52AA6E4}">
-                <adec:decorative xmlns:adec="http://schemas.microsoft.com/office/drawing/2017/decorative" val="1"/>
-              </a:ext>
-            </a:extLst>
-          </p:cNvPr>
-          <p:cNvSpPr>
-            <a:spLocks noGrp="1" noRot="1" noChangeAspect="1" noMove="1" noResize="1" noEditPoints="1" noAdjustHandles="1" noChangeArrowheads="1" noChangeShapeType="1" noTextEdit="1"/>
-          </p:cNvSpPr>
-          <p:nvPr>
-            <p:extLst>
-              <p:ext uri="{386F3935-93C4-4BCD-93E2-E3B085C9AB24}">
-                <p16:designElem xmlns:p16="http://schemas.microsoft.com/office/powerpoint/2015/main" val="1"/>
-              </p:ext>
-            </p:extLst>
-          </p:nvPr>
-        </p:nvSpPr>
-        <p:spPr>
-          <a:xfrm>
-            <a:off x="0" y="-1"/>
-            <a:ext cx="12192000" cy="6873465"/>
-          </a:xfrm>
-          <a:prstGeom prst="rect">
-            <a:avLst/>
-          </a:prstGeom>
-          <a:solidFill>
-            <a:srgbClr val="000000"/>
-          </a:solidFill>
-          <a:ln>
-            <a:noFill/>
-          </a:ln>
-        </p:spPr>
-        <p:style>
-          <a:lnRef idx="2">
-            <a:schemeClr val="accent1">
-              <a:shade val="50000"/>
-            </a:schemeClr>
-          </a:lnRef>
-          <a:fillRef idx="1">
-            <a:schemeClr val="accent1"/>
-          </a:fillRef>
-          <a:effectRef idx="0">
-            <a:schemeClr val="accent1"/>
-          </a:effectRef>
-          <a:fontRef idx="minor">
-            <a:schemeClr val="lt1"/>
-          </a:fontRef>
-        </p:style>
-        <p:txBody>
-          <a:bodyPr rtlCol="0" anchor="ctr"/>
-          <a:lstStyle/>
-          <a:p>
-            <a:pPr algn="ctr"/>
-            <a:endParaRPr lang="en-US"/>
-          </a:p>
-        </p:txBody>
-      </p:sp>
-      <p:pic>
-        <p:nvPicPr>
-          <p:cNvPr id="5" name="Picture 4" descr="Working space background">
-            <a:extLst>
-              <a:ext uri="{FF2B5EF4-FFF2-40B4-BE49-F238E27FC236}">
-                <a16:creationId xmlns:a16="http://schemas.microsoft.com/office/drawing/2014/main" id="{B8C2F633-9240-4DE4-87F3-7B8127BBB5D4}"/>
-              </a:ext>
-            </a:extLst>
-          </p:cNvPr>
-          <p:cNvPicPr>
-            <a:picLocks noChangeAspect="1"/>
-          </p:cNvPicPr>
-          <p:nvPr/>
-        </p:nvPicPr>
-        <p:blipFill rotWithShape="1">
-          <a:blip r:embed="rId2">
-            <a:alphaModFix amt="40000"/>
-          </a:blip>
-          <a:srcRect t="5648" b="9892"/>
-          <a:stretch/>
-        </p:blipFill>
-        <p:spPr>
-          <a:xfrm>
-            <a:off x="20" y="-1"/>
-            <a:ext cx="12191980" cy="6873463"/>
-          </a:xfrm>
-          <a:prstGeom prst="rect">
-            <a:avLst/>
-          </a:prstGeom>
-          <a:ln w="12700">
-            <a:noFill/>
-          </a:ln>
-        </p:spPr>
-      </p:pic>
-      <p:grpSp>
-        <p:nvGrpSpPr>
-          <p:cNvPr id="15" name="Group 14">
-            <a:extLst>
-              <a:ext uri="{FF2B5EF4-FFF2-40B4-BE49-F238E27FC236}">
-                <a16:creationId xmlns:a16="http://schemas.microsoft.com/office/drawing/2014/main" id="{68142369-1172-4897-98AF-7E16842C4A29}"/>
+                <a16:creationId xmlns:a16="http://schemas.microsoft.com/office/drawing/2014/main" id="{6EDBC9C2-2A39-44A2-9D95-D1DE9E2B127D}"/>
               </a:ext>
               <a:ext uri="{C183D7F6-B498-43B3-948B-1728B52AA6E4}">
                 <adec:decorative xmlns:adec="http://schemas.microsoft.com/office/drawing/2017/decorative" val="1"/>
@@ -10790,18 +10696,18 @@
         </p:nvGrpSpPr>
         <p:grpSpPr>
           <a:xfrm>
-            <a:off x="0" y="2"/>
-            <a:ext cx="12192000" cy="6857996"/>
-            <a:chOff x="572" y="-1"/>
-            <a:chExt cx="12192000" cy="6857996"/>
+            <a:off x="572" y="0"/>
+            <a:ext cx="12192000" cy="6857912"/>
+            <a:chOff x="572" y="0"/>
+            <a:chExt cx="12192000" cy="6857912"/>
           </a:xfrm>
         </p:grpSpPr>
         <p:cxnSp>
           <p:nvCxnSpPr>
-            <p:cNvPr id="16" name="Straight Connector 15">
+            <p:cNvPr id="31" name="Straight Connector 30">
               <a:extLst>
                 <a:ext uri="{FF2B5EF4-FFF2-40B4-BE49-F238E27FC236}">
-                  <a16:creationId xmlns:a16="http://schemas.microsoft.com/office/drawing/2014/main" id="{6B4EC643-469D-49F7-B2C7-FA3DA6FFACC7}"/>
+                  <a16:creationId xmlns:a16="http://schemas.microsoft.com/office/drawing/2014/main" id="{793379BC-3088-4AE8-8EF7-59370D7EB927}"/>
                 </a:ext>
                 <a:ext uri="{C183D7F6-B498-43B3-948B-1728B52AA6E4}">
                   <adec:decorative xmlns:adec="http://schemas.microsoft.com/office/drawing/2017/decorative" val="1"/>
@@ -10850,10 +10756,10 @@
         </p:cxnSp>
         <p:cxnSp>
           <p:nvCxnSpPr>
-            <p:cNvPr id="17" name="Straight Connector 16">
+            <p:cNvPr id="32" name="Straight Connector 31">
               <a:extLst>
                 <a:ext uri="{FF2B5EF4-FFF2-40B4-BE49-F238E27FC236}">
-                  <a16:creationId xmlns:a16="http://schemas.microsoft.com/office/drawing/2014/main" id="{33C04565-7FC8-416F-9C08-F430D337F817}"/>
+                  <a16:creationId xmlns:a16="http://schemas.microsoft.com/office/drawing/2014/main" id="{141DE74C-25AE-4959-99D5-0A77F1DFC8D3}"/>
                 </a:ext>
                 <a:ext uri="{C183D7F6-B498-43B3-948B-1728B52AA6E4}">
                   <adec:decorative xmlns:adec="http://schemas.microsoft.com/office/drawing/2017/decorative" val="1"/>
@@ -10902,10 +10808,10 @@
         </p:cxnSp>
         <p:cxnSp>
           <p:nvCxnSpPr>
-            <p:cNvPr id="18" name="Straight Connector 17">
+            <p:cNvPr id="33" name="Straight Connector 32">
               <a:extLst>
                 <a:ext uri="{FF2B5EF4-FFF2-40B4-BE49-F238E27FC236}">
-                  <a16:creationId xmlns:a16="http://schemas.microsoft.com/office/drawing/2014/main" id="{92BD8DCF-6634-460D-AA2E-1357451FBA18}"/>
+                  <a16:creationId xmlns:a16="http://schemas.microsoft.com/office/drawing/2014/main" id="{3D9235EF-4E81-496D-ADA8-13EED901E967}"/>
                 </a:ext>
                 <a:ext uri="{C183D7F6-B498-43B3-948B-1728B52AA6E4}">
                   <adec:decorative xmlns:adec="http://schemas.microsoft.com/office/drawing/2017/decorative" val="1"/>
@@ -10954,10 +10860,10 @@
         </p:cxnSp>
         <p:cxnSp>
           <p:nvCxnSpPr>
-            <p:cNvPr id="19" name="Straight Connector 18">
+            <p:cNvPr id="34" name="Straight Connector 33">
               <a:extLst>
                 <a:ext uri="{FF2B5EF4-FFF2-40B4-BE49-F238E27FC236}">
-                  <a16:creationId xmlns:a16="http://schemas.microsoft.com/office/drawing/2014/main" id="{8EAC9175-245B-4886-A4F2-EEA53C13F540}"/>
+                  <a16:creationId xmlns:a16="http://schemas.microsoft.com/office/drawing/2014/main" id="{F7241A77-6415-454C-B86E-F42A2802677E}"/>
                 </a:ext>
                 <a:ext uri="{C183D7F6-B498-43B3-948B-1728B52AA6E4}">
                   <adec:decorative xmlns:adec="http://schemas.microsoft.com/office/drawing/2017/decorative" val="1"/>
@@ -11004,362 +10910,6 @@
             </a:fontRef>
           </p:style>
         </p:cxnSp>
-        <p:sp>
-          <p:nvSpPr>
-            <p:cNvPr id="20" name="Graphic 33">
-              <a:extLst>
-                <a:ext uri="{FF2B5EF4-FFF2-40B4-BE49-F238E27FC236}">
-                  <a16:creationId xmlns:a16="http://schemas.microsoft.com/office/drawing/2014/main" id="{BC567658-11B8-4D35-89AE-B7353466914F}"/>
-                </a:ext>
-                <a:ext uri="{C183D7F6-B498-43B3-948B-1728B52AA6E4}">
-                  <adec:decorative xmlns:adec="http://schemas.microsoft.com/office/drawing/2017/decorative" val="1"/>
-                </a:ext>
-              </a:extLst>
-            </p:cNvPr>
-            <p:cNvSpPr/>
-            <p:nvPr>
-              <p:extLst>
-                <p:ext uri="{386F3935-93C4-4BCD-93E2-E3B085C9AB24}">
-                  <p16:designElem xmlns:p16="http://schemas.microsoft.com/office/powerpoint/2015/main" val="1"/>
-                </p:ext>
-              </p:extLst>
-            </p:nvPr>
-          </p:nvSpPr>
-          <p:spPr>
-            <a:xfrm>
-              <a:off x="4277016" y="-1"/>
-              <a:ext cx="3637968" cy="580875"/>
-            </a:xfrm>
-            <a:custGeom>
-              <a:avLst/>
-              <a:gdLst>
-                <a:gd name="connsiteX0" fmla="*/ 0 w 2679858"/>
-                <a:gd name="connsiteY0" fmla="*/ 4953 h 434911"/>
-                <a:gd name="connsiteX1" fmla="*/ 1336548 w 2679858"/>
-                <a:gd name="connsiteY1" fmla="*/ 434912 h 434911"/>
-                <a:gd name="connsiteX2" fmla="*/ 2679859 w 2679858"/>
-                <a:gd name="connsiteY2" fmla="*/ 0 h 434911"/>
-              </a:gdLst>
-              <a:ahLst/>
-              <a:cxnLst>
-                <a:cxn ang="0">
-                  <a:pos x="connsiteX0" y="connsiteY0"/>
-                </a:cxn>
-                <a:cxn ang="0">
-                  <a:pos x="connsiteX1" y="connsiteY1"/>
-                </a:cxn>
-                <a:cxn ang="0">
-                  <a:pos x="connsiteX2" y="connsiteY2"/>
-                </a:cxn>
-              </a:cxnLst>
-              <a:rect l="l" t="t" r="r" b="b"/>
-              <a:pathLst>
-                <a:path w="2679858" h="434911">
-                  <a:moveTo>
-                    <a:pt x="0" y="4953"/>
-                  </a:moveTo>
-                  <a:cubicBezTo>
-                    <a:pt x="370427" y="274606"/>
-                    <a:pt x="833723" y="434912"/>
-                    <a:pt x="1336548" y="434912"/>
-                  </a:cubicBezTo>
-                  <a:cubicBezTo>
-                    <a:pt x="1842326" y="434912"/>
-                    <a:pt x="2308289" y="272701"/>
-                    <a:pt x="2679859" y="0"/>
-                  </a:cubicBezTo>
-                </a:path>
-              </a:pathLst>
-            </a:custGeom>
-            <a:noFill/>
-            <a:ln w="12700" cap="flat">
-              <a:solidFill>
-                <a:schemeClr val="accent4"/>
-              </a:solidFill>
-              <a:prstDash val="solid"/>
-              <a:miter/>
-            </a:ln>
-          </p:spPr>
-          <p:txBody>
-            <a:bodyPr rtlCol="0" anchor="ctr"/>
-            <a:lstStyle>
-              <a:defPPr>
-                <a:defRPr lang="en-US"/>
-              </a:defPPr>
-              <a:lvl1pPr marL="0" algn="l" defTabSz="914400" rtl="0" eaLnBrk="1" latinLnBrk="0" hangingPunct="1">
-                <a:defRPr sz="1800" kern="1200">
-                  <a:solidFill>
-                    <a:schemeClr val="tx1"/>
-                  </a:solidFill>
-                  <a:latin typeface="+mn-lt"/>
-                  <a:ea typeface="+mn-ea"/>
-                  <a:cs typeface="+mn-cs"/>
-                </a:defRPr>
-              </a:lvl1pPr>
-              <a:lvl2pPr marL="457200" algn="l" defTabSz="914400" rtl="0" eaLnBrk="1" latinLnBrk="0" hangingPunct="1">
-                <a:defRPr sz="1800" kern="1200">
-                  <a:solidFill>
-                    <a:schemeClr val="tx1"/>
-                  </a:solidFill>
-                  <a:latin typeface="+mn-lt"/>
-                  <a:ea typeface="+mn-ea"/>
-                  <a:cs typeface="+mn-cs"/>
-                </a:defRPr>
-              </a:lvl2pPr>
-              <a:lvl3pPr marL="914400" algn="l" defTabSz="914400" rtl="0" eaLnBrk="1" latinLnBrk="0" hangingPunct="1">
-                <a:defRPr sz="1800" kern="1200">
-                  <a:solidFill>
-                    <a:schemeClr val="tx1"/>
-                  </a:solidFill>
-                  <a:latin typeface="+mn-lt"/>
-                  <a:ea typeface="+mn-ea"/>
-                  <a:cs typeface="+mn-cs"/>
-                </a:defRPr>
-              </a:lvl3pPr>
-              <a:lvl4pPr marL="1371600" algn="l" defTabSz="914400" rtl="0" eaLnBrk="1" latinLnBrk="0" hangingPunct="1">
-                <a:defRPr sz="1800" kern="1200">
-                  <a:solidFill>
-                    <a:schemeClr val="tx1"/>
-                  </a:solidFill>
-                  <a:latin typeface="+mn-lt"/>
-                  <a:ea typeface="+mn-ea"/>
-                  <a:cs typeface="+mn-cs"/>
-                </a:defRPr>
-              </a:lvl4pPr>
-              <a:lvl5pPr marL="1828800" algn="l" defTabSz="914400" rtl="0" eaLnBrk="1" latinLnBrk="0" hangingPunct="1">
-                <a:defRPr sz="1800" kern="1200">
-                  <a:solidFill>
-                    <a:schemeClr val="tx1"/>
-                  </a:solidFill>
-                  <a:latin typeface="+mn-lt"/>
-                  <a:ea typeface="+mn-ea"/>
-                  <a:cs typeface="+mn-cs"/>
-                </a:defRPr>
-              </a:lvl5pPr>
-              <a:lvl6pPr marL="2286000" algn="l" defTabSz="914400" rtl="0" eaLnBrk="1" latinLnBrk="0" hangingPunct="1">
-                <a:defRPr sz="1800" kern="1200">
-                  <a:solidFill>
-                    <a:schemeClr val="tx1"/>
-                  </a:solidFill>
-                  <a:latin typeface="+mn-lt"/>
-                  <a:ea typeface="+mn-ea"/>
-                  <a:cs typeface="+mn-cs"/>
-                </a:defRPr>
-              </a:lvl6pPr>
-              <a:lvl7pPr marL="2743200" algn="l" defTabSz="914400" rtl="0" eaLnBrk="1" latinLnBrk="0" hangingPunct="1">
-                <a:defRPr sz="1800" kern="1200">
-                  <a:solidFill>
-                    <a:schemeClr val="tx1"/>
-                  </a:solidFill>
-                  <a:latin typeface="+mn-lt"/>
-                  <a:ea typeface="+mn-ea"/>
-                  <a:cs typeface="+mn-cs"/>
-                </a:defRPr>
-              </a:lvl7pPr>
-              <a:lvl8pPr marL="3200400" algn="l" defTabSz="914400" rtl="0" eaLnBrk="1" latinLnBrk="0" hangingPunct="1">
-                <a:defRPr sz="1800" kern="1200">
-                  <a:solidFill>
-                    <a:schemeClr val="tx1"/>
-                  </a:solidFill>
-                  <a:latin typeface="+mn-lt"/>
-                  <a:ea typeface="+mn-ea"/>
-                  <a:cs typeface="+mn-cs"/>
-                </a:defRPr>
-              </a:lvl8pPr>
-              <a:lvl9pPr marL="3657600" algn="l" defTabSz="914400" rtl="0" eaLnBrk="1" latinLnBrk="0" hangingPunct="1">
-                <a:defRPr sz="1800" kern="1200">
-                  <a:solidFill>
-                    <a:schemeClr val="tx1"/>
-                  </a:solidFill>
-                  <a:latin typeface="+mn-lt"/>
-                  <a:ea typeface="+mn-ea"/>
-                  <a:cs typeface="+mn-cs"/>
-                </a:defRPr>
-              </a:lvl9pPr>
-            </a:lstStyle>
-            <a:p>
-              <a:endParaRPr lang="en-US" dirty="0"/>
-            </a:p>
-          </p:txBody>
-        </p:sp>
-        <p:sp>
-          <p:nvSpPr>
-            <p:cNvPr id="21" name="Graphic 33">
-              <a:extLst>
-                <a:ext uri="{FF2B5EF4-FFF2-40B4-BE49-F238E27FC236}">
-                  <a16:creationId xmlns:a16="http://schemas.microsoft.com/office/drawing/2014/main" id="{B2AAA79A-1602-4193-8170-9C436D9CED8F}"/>
-                </a:ext>
-                <a:ext uri="{C183D7F6-B498-43B3-948B-1728B52AA6E4}">
-                  <adec:decorative xmlns:adec="http://schemas.microsoft.com/office/drawing/2017/decorative" val="1"/>
-                </a:ext>
-              </a:extLst>
-            </p:cNvPr>
-            <p:cNvSpPr/>
-            <p:nvPr>
-              <p:extLst>
-                <p:ext uri="{386F3935-93C4-4BCD-93E2-E3B085C9AB24}">
-                  <p16:designElem xmlns:p16="http://schemas.microsoft.com/office/powerpoint/2015/main" val="1"/>
-                </p:ext>
-              </p:extLst>
-            </p:nvPr>
-          </p:nvSpPr>
-          <p:spPr>
-            <a:xfrm rot="10800000">
-              <a:off x="4305089" y="6276705"/>
-              <a:ext cx="3581824" cy="581290"/>
-            </a:xfrm>
-            <a:custGeom>
-              <a:avLst/>
-              <a:gdLst>
-                <a:gd name="connsiteX0" fmla="*/ 0 w 2679858"/>
-                <a:gd name="connsiteY0" fmla="*/ 4953 h 434911"/>
-                <a:gd name="connsiteX1" fmla="*/ 1336548 w 2679858"/>
-                <a:gd name="connsiteY1" fmla="*/ 434912 h 434911"/>
-                <a:gd name="connsiteX2" fmla="*/ 2679859 w 2679858"/>
-                <a:gd name="connsiteY2" fmla="*/ 0 h 434911"/>
-              </a:gdLst>
-              <a:ahLst/>
-              <a:cxnLst>
-                <a:cxn ang="0">
-                  <a:pos x="connsiteX0" y="connsiteY0"/>
-                </a:cxn>
-                <a:cxn ang="0">
-                  <a:pos x="connsiteX1" y="connsiteY1"/>
-                </a:cxn>
-                <a:cxn ang="0">
-                  <a:pos x="connsiteX2" y="connsiteY2"/>
-                </a:cxn>
-              </a:cxnLst>
-              <a:rect l="l" t="t" r="r" b="b"/>
-              <a:pathLst>
-                <a:path w="2679858" h="434911">
-                  <a:moveTo>
-                    <a:pt x="0" y="4953"/>
-                  </a:moveTo>
-                  <a:cubicBezTo>
-                    <a:pt x="370427" y="274606"/>
-                    <a:pt x="833723" y="434912"/>
-                    <a:pt x="1336548" y="434912"/>
-                  </a:cubicBezTo>
-                  <a:cubicBezTo>
-                    <a:pt x="1842326" y="434912"/>
-                    <a:pt x="2308289" y="272701"/>
-                    <a:pt x="2679859" y="0"/>
-                  </a:cubicBezTo>
-                </a:path>
-              </a:pathLst>
-            </a:custGeom>
-            <a:noFill/>
-            <a:ln w="12700" cap="flat">
-              <a:solidFill>
-                <a:schemeClr val="accent4"/>
-              </a:solidFill>
-              <a:prstDash val="solid"/>
-              <a:miter/>
-            </a:ln>
-          </p:spPr>
-          <p:txBody>
-            <a:bodyPr rtlCol="0" anchor="ctr"/>
-            <a:lstStyle>
-              <a:defPPr>
-                <a:defRPr lang="en-US"/>
-              </a:defPPr>
-              <a:lvl1pPr marL="0" algn="l" defTabSz="914400" rtl="0" eaLnBrk="1" latinLnBrk="0" hangingPunct="1">
-                <a:defRPr sz="1800" kern="1200">
-                  <a:solidFill>
-                    <a:schemeClr val="tx1"/>
-                  </a:solidFill>
-                  <a:latin typeface="+mn-lt"/>
-                  <a:ea typeface="+mn-ea"/>
-                  <a:cs typeface="+mn-cs"/>
-                </a:defRPr>
-              </a:lvl1pPr>
-              <a:lvl2pPr marL="457200" algn="l" defTabSz="914400" rtl="0" eaLnBrk="1" latinLnBrk="0" hangingPunct="1">
-                <a:defRPr sz="1800" kern="1200">
-                  <a:solidFill>
-                    <a:schemeClr val="tx1"/>
-                  </a:solidFill>
-                  <a:latin typeface="+mn-lt"/>
-                  <a:ea typeface="+mn-ea"/>
-                  <a:cs typeface="+mn-cs"/>
-                </a:defRPr>
-              </a:lvl2pPr>
-              <a:lvl3pPr marL="914400" algn="l" defTabSz="914400" rtl="0" eaLnBrk="1" latinLnBrk="0" hangingPunct="1">
-                <a:defRPr sz="1800" kern="1200">
-                  <a:solidFill>
-                    <a:schemeClr val="tx1"/>
-                  </a:solidFill>
-                  <a:latin typeface="+mn-lt"/>
-                  <a:ea typeface="+mn-ea"/>
-                  <a:cs typeface="+mn-cs"/>
-                </a:defRPr>
-              </a:lvl3pPr>
-              <a:lvl4pPr marL="1371600" algn="l" defTabSz="914400" rtl="0" eaLnBrk="1" latinLnBrk="0" hangingPunct="1">
-                <a:defRPr sz="1800" kern="1200">
-                  <a:solidFill>
-                    <a:schemeClr val="tx1"/>
-                  </a:solidFill>
-                  <a:latin typeface="+mn-lt"/>
-                  <a:ea typeface="+mn-ea"/>
-                  <a:cs typeface="+mn-cs"/>
-                </a:defRPr>
-              </a:lvl4pPr>
-              <a:lvl5pPr marL="1828800" algn="l" defTabSz="914400" rtl="0" eaLnBrk="1" latinLnBrk="0" hangingPunct="1">
-                <a:defRPr sz="1800" kern="1200">
-                  <a:solidFill>
-                    <a:schemeClr val="tx1"/>
-                  </a:solidFill>
-                  <a:latin typeface="+mn-lt"/>
-                  <a:ea typeface="+mn-ea"/>
-                  <a:cs typeface="+mn-cs"/>
-                </a:defRPr>
-              </a:lvl5pPr>
-              <a:lvl6pPr marL="2286000" algn="l" defTabSz="914400" rtl="0" eaLnBrk="1" latinLnBrk="0" hangingPunct="1">
-                <a:defRPr sz="1800" kern="1200">
-                  <a:solidFill>
-                    <a:schemeClr val="tx1"/>
-                  </a:solidFill>
-                  <a:latin typeface="+mn-lt"/>
-                  <a:ea typeface="+mn-ea"/>
-                  <a:cs typeface="+mn-cs"/>
-                </a:defRPr>
-              </a:lvl6pPr>
-              <a:lvl7pPr marL="2743200" algn="l" defTabSz="914400" rtl="0" eaLnBrk="1" latinLnBrk="0" hangingPunct="1">
-                <a:defRPr sz="1800" kern="1200">
-                  <a:solidFill>
-                    <a:schemeClr val="tx1"/>
-                  </a:solidFill>
-                  <a:latin typeface="+mn-lt"/>
-                  <a:ea typeface="+mn-ea"/>
-                  <a:cs typeface="+mn-cs"/>
-                </a:defRPr>
-              </a:lvl7pPr>
-              <a:lvl8pPr marL="3200400" algn="l" defTabSz="914400" rtl="0" eaLnBrk="1" latinLnBrk="0" hangingPunct="1">
-                <a:defRPr sz="1800" kern="1200">
-                  <a:solidFill>
-                    <a:schemeClr val="tx1"/>
-                  </a:solidFill>
-                  <a:latin typeface="+mn-lt"/>
-                  <a:ea typeface="+mn-ea"/>
-                  <a:cs typeface="+mn-cs"/>
-                </a:defRPr>
-              </a:lvl8pPr>
-              <a:lvl9pPr marL="3657600" algn="l" defTabSz="914400" rtl="0" eaLnBrk="1" latinLnBrk="0" hangingPunct="1">
-                <a:defRPr sz="1800" kern="1200">
-                  <a:solidFill>
-                    <a:schemeClr val="tx1"/>
-                  </a:solidFill>
-                  <a:latin typeface="+mn-lt"/>
-                  <a:ea typeface="+mn-ea"/>
-                  <a:cs typeface="+mn-cs"/>
-                </a:defRPr>
-              </a:lvl9pPr>
-            </a:lstStyle>
-            <a:p>
-              <a:endParaRPr lang="en-US" dirty="0"/>
-            </a:p>
-          </p:txBody>
-        </p:sp>
       </p:grpSp>
       <p:sp>
         <p:nvSpPr>
@@ -11379,22 +10929,18 @@
         </p:nvSpPr>
         <p:spPr>
           <a:xfrm>
-            <a:off x="841248" y="876304"/>
-            <a:ext cx="8817102" cy="1670954"/>
+            <a:off x="838200" y="727323"/>
+            <a:ext cx="4933950" cy="1596291"/>
           </a:xfrm>
         </p:spPr>
         <p:txBody>
-          <a:bodyPr anchor="b">
+          <a:bodyPr>
             <a:normAutofit/>
           </a:bodyPr>
           <a:lstStyle/>
           <a:p>
             <a:r>
-              <a:rPr lang="en-US" dirty="0">
-                <a:solidFill>
-                  <a:srgbClr val="FFFFFF"/>
-                </a:solidFill>
-              </a:rPr>
+              <a:rPr lang="en-US"/>
               <a:t>WHAT DIDN’T WORK</a:t>
             </a:r>
           </a:p>
@@ -11418,8 +10964,8 @@
         </p:nvSpPr>
         <p:spPr>
           <a:xfrm>
-            <a:off x="841248" y="2678251"/>
-            <a:ext cx="5728219" cy="1918725"/>
+            <a:off x="838200" y="2434196"/>
+            <a:ext cx="4933950" cy="3430575"/>
           </a:xfrm>
         </p:spPr>
         <p:txBody>
@@ -11428,105 +10974,126 @@
           </a:bodyPr>
           <a:lstStyle/>
           <a:p>
-            <a:pPr>
-              <a:lnSpc>
-                <a:spcPct val="100000"/>
-              </a:lnSpc>
-            </a:pPr>
             <a:r>
-              <a:rPr lang="en-US" sz="2400" dirty="0">
-                <a:solidFill>
-                  <a:srgbClr val="FFFFFF"/>
-                </a:solidFill>
-              </a:rPr>
+              <a:rPr lang="en-US"/>
               <a:t>Running </a:t>
             </a:r>
             <a:r>
-              <a:rPr lang="en-US" sz="2400" dirty="0" err="1">
-                <a:solidFill>
-                  <a:srgbClr val="FFFFFF"/>
-                </a:solidFill>
-              </a:rPr>
+              <a:rPr lang="en-US" err="1"/>
               <a:t>RandomForestRegressor</a:t>
             </a:r>
             <a:r>
-              <a:rPr lang="en-US" sz="2400" dirty="0">
-                <a:solidFill>
-                  <a:srgbClr val="FFFFFF"/>
-                </a:solidFill>
-              </a:rPr>
+              <a:rPr lang="en-US"/>
               <a:t> (resulting in very low r-squared)</a:t>
             </a:r>
           </a:p>
           <a:p>
-            <a:pPr>
-              <a:lnSpc>
-                <a:spcPct val="100000"/>
-              </a:lnSpc>
-            </a:pPr>
             <a:r>
-              <a:rPr lang="en-US" sz="2400" dirty="0">
-                <a:solidFill>
-                  <a:srgbClr val="FFFFFF"/>
-                </a:solidFill>
-              </a:rPr>
+              <a:rPr lang="en-US"/>
               <a:t>Decision Tree (overfitting)</a:t>
             </a:r>
           </a:p>
           <a:p>
-            <a:pPr>
-              <a:lnSpc>
-                <a:spcPct val="100000"/>
-              </a:lnSpc>
-            </a:pPr>
             <a:r>
-              <a:rPr lang="en-US" sz="2400" dirty="0">
-                <a:solidFill>
-                  <a:srgbClr val="FFFFFF"/>
-                </a:solidFill>
-              </a:rPr>
+              <a:rPr lang="en-US"/>
               <a:t>Different feature combinations</a:t>
             </a:r>
           </a:p>
           <a:p>
-            <a:pPr>
-              <a:lnSpc>
-                <a:spcPct val="100000"/>
-              </a:lnSpc>
-            </a:pPr>
-            <a:endParaRPr lang="en-US" sz="1700" dirty="0">
-              <a:solidFill>
-                <a:srgbClr val="FFFFFF"/>
-              </a:solidFill>
-            </a:endParaRPr>
+            <a:endParaRPr lang="en-US"/>
           </a:p>
           <a:p>
             <a:pPr marL="0" indent="0">
-              <a:lnSpc>
-                <a:spcPct val="100000"/>
-              </a:lnSpc>
               <a:buNone/>
             </a:pPr>
-            <a:endParaRPr lang="en-US" sz="1700" dirty="0">
-              <a:solidFill>
-                <a:srgbClr val="FFFFFF"/>
-              </a:solidFill>
-            </a:endParaRPr>
-          </a:p>
-          <a:p>
-            <a:pPr>
-              <a:lnSpc>
-                <a:spcPct val="100000"/>
-              </a:lnSpc>
-            </a:pPr>
-            <a:endParaRPr lang="en-US" sz="1700" dirty="0">
-              <a:solidFill>
-                <a:srgbClr val="FFFFFF"/>
-              </a:solidFill>
-            </a:endParaRPr>
+            <a:endParaRPr lang="en-US"/>
+          </a:p>
+          <a:p>
+            <a:endParaRPr lang="en-US"/>
           </a:p>
         </p:txBody>
       </p:sp>
+      <p:cxnSp>
+        <p:nvCxnSpPr>
+          <p:cNvPr id="36" name="Straight Connector 35">
+            <a:extLst>
+              <a:ext uri="{FF2B5EF4-FFF2-40B4-BE49-F238E27FC236}">
+                <a16:creationId xmlns:a16="http://schemas.microsoft.com/office/drawing/2014/main" id="{E32B0B7D-C67A-4103-B2F0-ACE40BD56D02}"/>
+              </a:ext>
+              <a:ext uri="{C183D7F6-B498-43B3-948B-1728B52AA6E4}">
+                <adec:decorative xmlns:adec="http://schemas.microsoft.com/office/drawing/2017/decorative" val="1"/>
+              </a:ext>
+            </a:extLst>
+          </p:cNvPr>
+          <p:cNvCxnSpPr>
+            <a:cxnSpLocks noGrp="1" noRot="1" noChangeAspect="1" noMove="1" noResize="1" noEditPoints="1" noAdjustHandles="1" noChangeArrowheads="1" noChangeShapeType="1"/>
+          </p:cNvCxnSpPr>
+          <p:nvPr>
+            <p:extLst>
+              <p:ext uri="{386F3935-93C4-4BCD-93E2-E3B085C9AB24}">
+                <p16:designElem xmlns:p16="http://schemas.microsoft.com/office/powerpoint/2015/main" val="1"/>
+              </p:ext>
+            </p:extLst>
+          </p:nvPr>
+        </p:nvCxnSpPr>
+        <p:spPr>
+          <a:xfrm flipH="1" flipV="1">
+            <a:off x="6091410" y="574154"/>
+            <a:ext cx="4590" cy="5693884"/>
+          </a:xfrm>
+          <a:prstGeom prst="line">
+            <a:avLst/>
+          </a:prstGeom>
+          <a:ln w="12700">
+            <a:solidFill>
+              <a:schemeClr val="accent4"/>
+            </a:solidFill>
+          </a:ln>
+        </p:spPr>
+        <p:style>
+          <a:lnRef idx="1">
+            <a:schemeClr val="accent1"/>
+          </a:lnRef>
+          <a:fillRef idx="0">
+            <a:schemeClr val="accent1"/>
+          </a:fillRef>
+          <a:effectRef idx="0">
+            <a:schemeClr val="accent1"/>
+          </a:effectRef>
+          <a:fontRef idx="minor">
+            <a:schemeClr val="tx1"/>
+          </a:fontRef>
+        </p:style>
+      </p:cxnSp>
+      <p:pic>
+        <p:nvPicPr>
+          <p:cNvPr id="5" name="Picture 4" descr="Working space background">
+            <a:extLst>
+              <a:ext uri="{FF2B5EF4-FFF2-40B4-BE49-F238E27FC236}">
+                <a16:creationId xmlns:a16="http://schemas.microsoft.com/office/drawing/2014/main" id="{B8C2F633-9240-4DE4-87F3-7B8127BBB5D4}"/>
+              </a:ext>
+            </a:extLst>
+          </p:cNvPr>
+          <p:cNvPicPr>
+            <a:picLocks noChangeAspect="1"/>
+          </p:cNvPicPr>
+          <p:nvPr/>
+        </p:nvPicPr>
+        <p:blipFill rotWithShape="1">
+          <a:blip r:embed="rId2"/>
+          <a:srcRect t="5648" b="9892"/>
+          <a:stretch/>
+        </p:blipFill>
+        <p:spPr>
+          <a:xfrm>
+            <a:off x="6415260" y="2068539"/>
+            <a:ext cx="4824168" cy="2719724"/>
+          </a:xfrm>
+          <a:prstGeom prst="rect">
+            <a:avLst/>
+          </a:prstGeom>
+        </p:spPr>
+      </p:pic>
     </p:spTree>
     <p:extLst>
       <p:ext uri="{BB962C8B-B14F-4D97-AF65-F5344CB8AC3E}">
@@ -11535,7 +11102,7 @@
     </p:extLst>
   </p:cSld>
   <p:clrMapOvr>
-    <a:overrideClrMapping bg1="dk1" tx1="lt1" bg2="dk2" tx2="lt2" accent1="accent1" accent2="accent2" accent3="accent3" accent4="accent4" accent5="accent5" accent6="accent6" hlink="hlink" folHlink="folHlink"/>
+    <a:masterClrMapping/>
   </p:clrMapOvr>
 </p:sld>
 </file>
@@ -11567,10 +11134,10 @@
       </p:grpSpPr>
       <p:sp useBgFill="1">
         <p:nvSpPr>
-          <p:cNvPr id="9" name="Rectangle 8">
+          <p:cNvPr id="26" name="Rectangle 25">
             <a:extLst>
               <a:ext uri="{FF2B5EF4-FFF2-40B4-BE49-F238E27FC236}">
-                <a16:creationId xmlns:a16="http://schemas.microsoft.com/office/drawing/2014/main" id="{AE6FDE22-1F54-452D-A9BA-1BE9FDB53450}"/>
+                <a16:creationId xmlns:a16="http://schemas.microsoft.com/office/drawing/2014/main" id="{CF10C978-51B5-420C-9A05-C8F194EACAC3}"/>
               </a:ext>
               <a:ext uri="{C183D7F6-B498-43B3-948B-1728B52AA6E4}">
                 <adec:decorative xmlns:adec="http://schemas.microsoft.com/office/drawing/2017/decorative" val="1"/>
@@ -11590,8 +11157,8 @@
         </p:nvSpPr>
         <p:spPr>
           <a:xfrm>
-            <a:off x="-1" y="3"/>
-            <a:ext cx="12192001" cy="6857997"/>
+            <a:off x="1903" y="-597"/>
+            <a:ext cx="12192000" cy="6857997"/>
           </a:xfrm>
           <a:prstGeom prst="rect">
             <a:avLst/>
@@ -11621,16 +11188,16 @@
           <a:lstStyle/>
           <a:p>
             <a:pPr algn="ctr"/>
-            <a:endParaRPr lang="en-US"/>
+            <a:endParaRPr lang="en-US" dirty="0"/>
           </a:p>
         </p:txBody>
       </p:sp>
       <p:sp>
         <p:nvSpPr>
-          <p:cNvPr id="11" name="Rectangle 10">
+          <p:cNvPr id="28" name="Rectangle 27">
             <a:extLst>
               <a:ext uri="{FF2B5EF4-FFF2-40B4-BE49-F238E27FC236}">
-                <a16:creationId xmlns:a16="http://schemas.microsoft.com/office/drawing/2014/main" id="{E24727BA-2777-4823-88E1-1B4B61968504}"/>
+                <a16:creationId xmlns:a16="http://schemas.microsoft.com/office/drawing/2014/main" id="{28D34D1C-4E49-4D32-96F1-E49CEBBF86E0}"/>
               </a:ext>
               <a:ext uri="{C183D7F6-B498-43B3-948B-1728B52AA6E4}">
                 <adec:decorative xmlns:adec="http://schemas.microsoft.com/office/drawing/2017/decorative" val="1"/>
@@ -11650,14 +11217,17 @@
         </p:nvSpPr>
         <p:spPr>
           <a:xfrm>
-            <a:off x="0" y="-1"/>
+            <a:off x="2189" y="0"/>
             <a:ext cx="12192000" cy="6857997"/>
           </a:xfrm>
           <a:prstGeom prst="rect">
             <a:avLst/>
           </a:prstGeom>
           <a:solidFill>
-            <a:schemeClr val="bg1"/>
+            <a:schemeClr val="bg2">
+              <a:lumMod val="60000"/>
+              <a:lumOff val="40000"/>
+            </a:schemeClr>
           </a:solidFill>
           <a:ln>
             <a:noFill/>
@@ -11684,113 +11254,16 @@
           <a:lstStyle/>
           <a:p>
             <a:pPr algn="ctr"/>
-            <a:endParaRPr lang="en-US"/>
+            <a:endParaRPr lang="en-US" dirty="0"/>
           </a:p>
         </p:txBody>
       </p:sp>
-      <p:sp>
-        <p:nvSpPr>
-          <p:cNvPr id="13" name="Rectangle 12">
+      <p:grpSp>
+        <p:nvGrpSpPr>
+          <p:cNvPr id="30" name="Group 29">
             <a:extLst>
               <a:ext uri="{FF2B5EF4-FFF2-40B4-BE49-F238E27FC236}">
-                <a16:creationId xmlns:a16="http://schemas.microsoft.com/office/drawing/2014/main" id="{2AB0E0E5-A956-4B80-A317-E670B96CB03B}"/>
-              </a:ext>
-              <a:ext uri="{C183D7F6-B498-43B3-948B-1728B52AA6E4}">
-                <adec:decorative xmlns:adec="http://schemas.microsoft.com/office/drawing/2017/decorative" val="1"/>
-              </a:ext>
-            </a:extLst>
-          </p:cNvPr>
-          <p:cNvSpPr>
-            <a:spLocks noGrp="1" noRot="1" noChangeAspect="1" noMove="1" noResize="1" noEditPoints="1" noAdjustHandles="1" noChangeArrowheads="1" noChangeShapeType="1" noTextEdit="1"/>
-          </p:cNvSpPr>
-          <p:nvPr>
-            <p:extLst>
-              <p:ext uri="{386F3935-93C4-4BCD-93E2-E3B085C9AB24}">
-                <p16:designElem xmlns:p16="http://schemas.microsoft.com/office/powerpoint/2015/main" val="1"/>
-              </p:ext>
-            </p:extLst>
-          </p:nvPr>
-        </p:nvSpPr>
-        <p:spPr>
-          <a:xfrm>
-            <a:off x="0" y="-1"/>
-            <a:ext cx="12192000" cy="6873465"/>
-          </a:xfrm>
-          <a:prstGeom prst="rect">
-            <a:avLst/>
-          </a:prstGeom>
-          <a:solidFill>
-            <a:srgbClr val="000000"/>
-          </a:solidFill>
-          <a:ln>
-            <a:noFill/>
-          </a:ln>
-        </p:spPr>
-        <p:style>
-          <a:lnRef idx="2">
-            <a:schemeClr val="accent1">
-              <a:shade val="50000"/>
-            </a:schemeClr>
-          </a:lnRef>
-          <a:fillRef idx="1">
-            <a:schemeClr val="accent1"/>
-          </a:fillRef>
-          <a:effectRef idx="0">
-            <a:schemeClr val="accent1"/>
-          </a:effectRef>
-          <a:fontRef idx="minor">
-            <a:schemeClr val="lt1"/>
-          </a:fontRef>
-        </p:style>
-        <p:txBody>
-          <a:bodyPr rtlCol="0" anchor="ctr"/>
-          <a:lstStyle/>
-          <a:p>
-            <a:pPr algn="ctr"/>
-            <a:endParaRPr lang="en-US"/>
-          </a:p>
-        </p:txBody>
-      </p:sp>
-      <p:pic>
-        <p:nvPicPr>
-          <p:cNvPr id="5" name="Picture 4" descr="Camera lens">
-            <a:extLst>
-              <a:ext uri="{FF2B5EF4-FFF2-40B4-BE49-F238E27FC236}">
-                <a16:creationId xmlns:a16="http://schemas.microsoft.com/office/drawing/2014/main" id="{313BC691-1FA7-4FAF-B482-7F6AE6ECE431}"/>
-              </a:ext>
-            </a:extLst>
-          </p:cNvPr>
-          <p:cNvPicPr>
-            <a:picLocks noChangeAspect="1"/>
-          </p:cNvPicPr>
-          <p:nvPr/>
-        </p:nvPicPr>
-        <p:blipFill rotWithShape="1">
-          <a:blip r:embed="rId2">
-            <a:alphaModFix amt="40000"/>
-          </a:blip>
-          <a:srcRect t="5564" b="9976"/>
-          <a:stretch/>
-        </p:blipFill>
-        <p:spPr>
-          <a:xfrm>
-            <a:off x="-1075" y="102868"/>
-            <a:ext cx="12196991" cy="6876288"/>
-          </a:xfrm>
-          <a:prstGeom prst="rect">
-            <a:avLst/>
-          </a:prstGeom>
-          <a:ln w="12700">
-            <a:noFill/>
-          </a:ln>
-        </p:spPr>
-      </p:pic>
-      <p:grpSp>
-        <p:nvGrpSpPr>
-          <p:cNvPr id="15" name="Group 14">
-            <a:extLst>
-              <a:ext uri="{FF2B5EF4-FFF2-40B4-BE49-F238E27FC236}">
-                <a16:creationId xmlns:a16="http://schemas.microsoft.com/office/drawing/2014/main" id="{68142369-1172-4897-98AF-7E16842C4A29}"/>
+                <a16:creationId xmlns:a16="http://schemas.microsoft.com/office/drawing/2014/main" id="{6EDBC9C2-2A39-44A2-9D95-D1DE9E2B127D}"/>
               </a:ext>
               <a:ext uri="{C183D7F6-B498-43B3-948B-1728B52AA6E4}">
                 <adec:decorative xmlns:adec="http://schemas.microsoft.com/office/drawing/2017/decorative" val="1"/>
@@ -11810,18 +11283,18 @@
         </p:nvGrpSpPr>
         <p:grpSpPr>
           <a:xfrm>
-            <a:off x="0" y="2"/>
-            <a:ext cx="12192000" cy="6857996"/>
-            <a:chOff x="572" y="-1"/>
-            <a:chExt cx="12192000" cy="6857996"/>
+            <a:off x="572" y="0"/>
+            <a:ext cx="12192000" cy="6857912"/>
+            <a:chOff x="572" y="0"/>
+            <a:chExt cx="12192000" cy="6857912"/>
           </a:xfrm>
         </p:grpSpPr>
         <p:cxnSp>
           <p:nvCxnSpPr>
-            <p:cNvPr id="16" name="Straight Connector 15">
+            <p:cNvPr id="31" name="Straight Connector 30">
               <a:extLst>
                 <a:ext uri="{FF2B5EF4-FFF2-40B4-BE49-F238E27FC236}">
-                  <a16:creationId xmlns:a16="http://schemas.microsoft.com/office/drawing/2014/main" id="{6B4EC643-469D-49F7-B2C7-FA3DA6FFACC7}"/>
+                  <a16:creationId xmlns:a16="http://schemas.microsoft.com/office/drawing/2014/main" id="{793379BC-3088-4AE8-8EF7-59370D7EB927}"/>
                 </a:ext>
                 <a:ext uri="{C183D7F6-B498-43B3-948B-1728B52AA6E4}">
                   <adec:decorative xmlns:adec="http://schemas.microsoft.com/office/drawing/2017/decorative" val="1"/>
@@ -11870,10 +11343,10 @@
         </p:cxnSp>
         <p:cxnSp>
           <p:nvCxnSpPr>
-            <p:cNvPr id="17" name="Straight Connector 16">
+            <p:cNvPr id="32" name="Straight Connector 31">
               <a:extLst>
                 <a:ext uri="{FF2B5EF4-FFF2-40B4-BE49-F238E27FC236}">
-                  <a16:creationId xmlns:a16="http://schemas.microsoft.com/office/drawing/2014/main" id="{33C04565-7FC8-416F-9C08-F430D337F817}"/>
+                  <a16:creationId xmlns:a16="http://schemas.microsoft.com/office/drawing/2014/main" id="{141DE74C-25AE-4959-99D5-0A77F1DFC8D3}"/>
                 </a:ext>
                 <a:ext uri="{C183D7F6-B498-43B3-948B-1728B52AA6E4}">
                   <adec:decorative xmlns:adec="http://schemas.microsoft.com/office/drawing/2017/decorative" val="1"/>
@@ -11922,10 +11395,10 @@
         </p:cxnSp>
         <p:cxnSp>
           <p:nvCxnSpPr>
-            <p:cNvPr id="18" name="Straight Connector 17">
+            <p:cNvPr id="33" name="Straight Connector 32">
               <a:extLst>
                 <a:ext uri="{FF2B5EF4-FFF2-40B4-BE49-F238E27FC236}">
-                  <a16:creationId xmlns:a16="http://schemas.microsoft.com/office/drawing/2014/main" id="{92BD8DCF-6634-460D-AA2E-1357451FBA18}"/>
+                  <a16:creationId xmlns:a16="http://schemas.microsoft.com/office/drawing/2014/main" id="{3D9235EF-4E81-496D-ADA8-13EED901E967}"/>
                 </a:ext>
                 <a:ext uri="{C183D7F6-B498-43B3-948B-1728B52AA6E4}">
                   <adec:decorative xmlns:adec="http://schemas.microsoft.com/office/drawing/2017/decorative" val="1"/>
@@ -11974,10 +11447,10 @@
         </p:cxnSp>
         <p:cxnSp>
           <p:nvCxnSpPr>
-            <p:cNvPr id="19" name="Straight Connector 18">
+            <p:cNvPr id="34" name="Straight Connector 33">
               <a:extLst>
                 <a:ext uri="{FF2B5EF4-FFF2-40B4-BE49-F238E27FC236}">
-                  <a16:creationId xmlns:a16="http://schemas.microsoft.com/office/drawing/2014/main" id="{8EAC9175-245B-4886-A4F2-EEA53C13F540}"/>
+                  <a16:creationId xmlns:a16="http://schemas.microsoft.com/office/drawing/2014/main" id="{F7241A77-6415-454C-B86E-F42A2802677E}"/>
                 </a:ext>
                 <a:ext uri="{C183D7F6-B498-43B3-948B-1728B52AA6E4}">
                   <adec:decorative xmlns:adec="http://schemas.microsoft.com/office/drawing/2017/decorative" val="1"/>
@@ -12024,362 +11497,6 @@
             </a:fontRef>
           </p:style>
         </p:cxnSp>
-        <p:sp>
-          <p:nvSpPr>
-            <p:cNvPr id="20" name="Graphic 33">
-              <a:extLst>
-                <a:ext uri="{FF2B5EF4-FFF2-40B4-BE49-F238E27FC236}">
-                  <a16:creationId xmlns:a16="http://schemas.microsoft.com/office/drawing/2014/main" id="{BC567658-11B8-4D35-89AE-B7353466914F}"/>
-                </a:ext>
-                <a:ext uri="{C183D7F6-B498-43B3-948B-1728B52AA6E4}">
-                  <adec:decorative xmlns:adec="http://schemas.microsoft.com/office/drawing/2017/decorative" val="1"/>
-                </a:ext>
-              </a:extLst>
-            </p:cNvPr>
-            <p:cNvSpPr/>
-            <p:nvPr>
-              <p:extLst>
-                <p:ext uri="{386F3935-93C4-4BCD-93E2-E3B085C9AB24}">
-                  <p16:designElem xmlns:p16="http://schemas.microsoft.com/office/powerpoint/2015/main" val="1"/>
-                </p:ext>
-              </p:extLst>
-            </p:nvPr>
-          </p:nvSpPr>
-          <p:spPr>
-            <a:xfrm>
-              <a:off x="4277016" y="-1"/>
-              <a:ext cx="3637968" cy="580875"/>
-            </a:xfrm>
-            <a:custGeom>
-              <a:avLst/>
-              <a:gdLst>
-                <a:gd name="connsiteX0" fmla="*/ 0 w 2679858"/>
-                <a:gd name="connsiteY0" fmla="*/ 4953 h 434911"/>
-                <a:gd name="connsiteX1" fmla="*/ 1336548 w 2679858"/>
-                <a:gd name="connsiteY1" fmla="*/ 434912 h 434911"/>
-                <a:gd name="connsiteX2" fmla="*/ 2679859 w 2679858"/>
-                <a:gd name="connsiteY2" fmla="*/ 0 h 434911"/>
-              </a:gdLst>
-              <a:ahLst/>
-              <a:cxnLst>
-                <a:cxn ang="0">
-                  <a:pos x="connsiteX0" y="connsiteY0"/>
-                </a:cxn>
-                <a:cxn ang="0">
-                  <a:pos x="connsiteX1" y="connsiteY1"/>
-                </a:cxn>
-                <a:cxn ang="0">
-                  <a:pos x="connsiteX2" y="connsiteY2"/>
-                </a:cxn>
-              </a:cxnLst>
-              <a:rect l="l" t="t" r="r" b="b"/>
-              <a:pathLst>
-                <a:path w="2679858" h="434911">
-                  <a:moveTo>
-                    <a:pt x="0" y="4953"/>
-                  </a:moveTo>
-                  <a:cubicBezTo>
-                    <a:pt x="370427" y="274606"/>
-                    <a:pt x="833723" y="434912"/>
-                    <a:pt x="1336548" y="434912"/>
-                  </a:cubicBezTo>
-                  <a:cubicBezTo>
-                    <a:pt x="1842326" y="434912"/>
-                    <a:pt x="2308289" y="272701"/>
-                    <a:pt x="2679859" y="0"/>
-                  </a:cubicBezTo>
-                </a:path>
-              </a:pathLst>
-            </a:custGeom>
-            <a:noFill/>
-            <a:ln w="12700" cap="flat">
-              <a:solidFill>
-                <a:schemeClr val="accent4"/>
-              </a:solidFill>
-              <a:prstDash val="solid"/>
-              <a:miter/>
-            </a:ln>
-          </p:spPr>
-          <p:txBody>
-            <a:bodyPr rtlCol="0" anchor="ctr"/>
-            <a:lstStyle>
-              <a:defPPr>
-                <a:defRPr lang="en-US"/>
-              </a:defPPr>
-              <a:lvl1pPr marL="0" algn="l" defTabSz="914400" rtl="0" eaLnBrk="1" latinLnBrk="0" hangingPunct="1">
-                <a:defRPr sz="1800" kern="1200">
-                  <a:solidFill>
-                    <a:schemeClr val="tx1"/>
-                  </a:solidFill>
-                  <a:latin typeface="+mn-lt"/>
-                  <a:ea typeface="+mn-ea"/>
-                  <a:cs typeface="+mn-cs"/>
-                </a:defRPr>
-              </a:lvl1pPr>
-              <a:lvl2pPr marL="457200" algn="l" defTabSz="914400" rtl="0" eaLnBrk="1" latinLnBrk="0" hangingPunct="1">
-                <a:defRPr sz="1800" kern="1200">
-                  <a:solidFill>
-                    <a:schemeClr val="tx1"/>
-                  </a:solidFill>
-                  <a:latin typeface="+mn-lt"/>
-                  <a:ea typeface="+mn-ea"/>
-                  <a:cs typeface="+mn-cs"/>
-                </a:defRPr>
-              </a:lvl2pPr>
-              <a:lvl3pPr marL="914400" algn="l" defTabSz="914400" rtl="0" eaLnBrk="1" latinLnBrk="0" hangingPunct="1">
-                <a:defRPr sz="1800" kern="1200">
-                  <a:solidFill>
-                    <a:schemeClr val="tx1"/>
-                  </a:solidFill>
-                  <a:latin typeface="+mn-lt"/>
-                  <a:ea typeface="+mn-ea"/>
-                  <a:cs typeface="+mn-cs"/>
-                </a:defRPr>
-              </a:lvl3pPr>
-              <a:lvl4pPr marL="1371600" algn="l" defTabSz="914400" rtl="0" eaLnBrk="1" latinLnBrk="0" hangingPunct="1">
-                <a:defRPr sz="1800" kern="1200">
-                  <a:solidFill>
-                    <a:schemeClr val="tx1"/>
-                  </a:solidFill>
-                  <a:latin typeface="+mn-lt"/>
-                  <a:ea typeface="+mn-ea"/>
-                  <a:cs typeface="+mn-cs"/>
-                </a:defRPr>
-              </a:lvl4pPr>
-              <a:lvl5pPr marL="1828800" algn="l" defTabSz="914400" rtl="0" eaLnBrk="1" latinLnBrk="0" hangingPunct="1">
-                <a:defRPr sz="1800" kern="1200">
-                  <a:solidFill>
-                    <a:schemeClr val="tx1"/>
-                  </a:solidFill>
-                  <a:latin typeface="+mn-lt"/>
-                  <a:ea typeface="+mn-ea"/>
-                  <a:cs typeface="+mn-cs"/>
-                </a:defRPr>
-              </a:lvl5pPr>
-              <a:lvl6pPr marL="2286000" algn="l" defTabSz="914400" rtl="0" eaLnBrk="1" latinLnBrk="0" hangingPunct="1">
-                <a:defRPr sz="1800" kern="1200">
-                  <a:solidFill>
-                    <a:schemeClr val="tx1"/>
-                  </a:solidFill>
-                  <a:latin typeface="+mn-lt"/>
-                  <a:ea typeface="+mn-ea"/>
-                  <a:cs typeface="+mn-cs"/>
-                </a:defRPr>
-              </a:lvl6pPr>
-              <a:lvl7pPr marL="2743200" algn="l" defTabSz="914400" rtl="0" eaLnBrk="1" latinLnBrk="0" hangingPunct="1">
-                <a:defRPr sz="1800" kern="1200">
-                  <a:solidFill>
-                    <a:schemeClr val="tx1"/>
-                  </a:solidFill>
-                  <a:latin typeface="+mn-lt"/>
-                  <a:ea typeface="+mn-ea"/>
-                  <a:cs typeface="+mn-cs"/>
-                </a:defRPr>
-              </a:lvl7pPr>
-              <a:lvl8pPr marL="3200400" algn="l" defTabSz="914400" rtl="0" eaLnBrk="1" latinLnBrk="0" hangingPunct="1">
-                <a:defRPr sz="1800" kern="1200">
-                  <a:solidFill>
-                    <a:schemeClr val="tx1"/>
-                  </a:solidFill>
-                  <a:latin typeface="+mn-lt"/>
-                  <a:ea typeface="+mn-ea"/>
-                  <a:cs typeface="+mn-cs"/>
-                </a:defRPr>
-              </a:lvl8pPr>
-              <a:lvl9pPr marL="3657600" algn="l" defTabSz="914400" rtl="0" eaLnBrk="1" latinLnBrk="0" hangingPunct="1">
-                <a:defRPr sz="1800" kern="1200">
-                  <a:solidFill>
-                    <a:schemeClr val="tx1"/>
-                  </a:solidFill>
-                  <a:latin typeface="+mn-lt"/>
-                  <a:ea typeface="+mn-ea"/>
-                  <a:cs typeface="+mn-cs"/>
-                </a:defRPr>
-              </a:lvl9pPr>
-            </a:lstStyle>
-            <a:p>
-              <a:endParaRPr lang="en-US" dirty="0"/>
-            </a:p>
-          </p:txBody>
-        </p:sp>
-        <p:sp>
-          <p:nvSpPr>
-            <p:cNvPr id="21" name="Graphic 33">
-              <a:extLst>
-                <a:ext uri="{FF2B5EF4-FFF2-40B4-BE49-F238E27FC236}">
-                  <a16:creationId xmlns:a16="http://schemas.microsoft.com/office/drawing/2014/main" id="{B2AAA79A-1602-4193-8170-9C436D9CED8F}"/>
-                </a:ext>
-                <a:ext uri="{C183D7F6-B498-43B3-948B-1728B52AA6E4}">
-                  <adec:decorative xmlns:adec="http://schemas.microsoft.com/office/drawing/2017/decorative" val="1"/>
-                </a:ext>
-              </a:extLst>
-            </p:cNvPr>
-            <p:cNvSpPr/>
-            <p:nvPr>
-              <p:extLst>
-                <p:ext uri="{386F3935-93C4-4BCD-93E2-E3B085C9AB24}">
-                  <p16:designElem xmlns:p16="http://schemas.microsoft.com/office/powerpoint/2015/main" val="1"/>
-                </p:ext>
-              </p:extLst>
-            </p:nvPr>
-          </p:nvSpPr>
-          <p:spPr>
-            <a:xfrm rot="10800000">
-              <a:off x="4305089" y="6276705"/>
-              <a:ext cx="3581824" cy="581290"/>
-            </a:xfrm>
-            <a:custGeom>
-              <a:avLst/>
-              <a:gdLst>
-                <a:gd name="connsiteX0" fmla="*/ 0 w 2679858"/>
-                <a:gd name="connsiteY0" fmla="*/ 4953 h 434911"/>
-                <a:gd name="connsiteX1" fmla="*/ 1336548 w 2679858"/>
-                <a:gd name="connsiteY1" fmla="*/ 434912 h 434911"/>
-                <a:gd name="connsiteX2" fmla="*/ 2679859 w 2679858"/>
-                <a:gd name="connsiteY2" fmla="*/ 0 h 434911"/>
-              </a:gdLst>
-              <a:ahLst/>
-              <a:cxnLst>
-                <a:cxn ang="0">
-                  <a:pos x="connsiteX0" y="connsiteY0"/>
-                </a:cxn>
-                <a:cxn ang="0">
-                  <a:pos x="connsiteX1" y="connsiteY1"/>
-                </a:cxn>
-                <a:cxn ang="0">
-                  <a:pos x="connsiteX2" y="connsiteY2"/>
-                </a:cxn>
-              </a:cxnLst>
-              <a:rect l="l" t="t" r="r" b="b"/>
-              <a:pathLst>
-                <a:path w="2679858" h="434911">
-                  <a:moveTo>
-                    <a:pt x="0" y="4953"/>
-                  </a:moveTo>
-                  <a:cubicBezTo>
-                    <a:pt x="370427" y="274606"/>
-                    <a:pt x="833723" y="434912"/>
-                    <a:pt x="1336548" y="434912"/>
-                  </a:cubicBezTo>
-                  <a:cubicBezTo>
-                    <a:pt x="1842326" y="434912"/>
-                    <a:pt x="2308289" y="272701"/>
-                    <a:pt x="2679859" y="0"/>
-                  </a:cubicBezTo>
-                </a:path>
-              </a:pathLst>
-            </a:custGeom>
-            <a:noFill/>
-            <a:ln w="12700" cap="flat">
-              <a:solidFill>
-                <a:schemeClr val="accent4"/>
-              </a:solidFill>
-              <a:prstDash val="solid"/>
-              <a:miter/>
-            </a:ln>
-          </p:spPr>
-          <p:txBody>
-            <a:bodyPr rtlCol="0" anchor="ctr"/>
-            <a:lstStyle>
-              <a:defPPr>
-                <a:defRPr lang="en-US"/>
-              </a:defPPr>
-              <a:lvl1pPr marL="0" algn="l" defTabSz="914400" rtl="0" eaLnBrk="1" latinLnBrk="0" hangingPunct="1">
-                <a:defRPr sz="1800" kern="1200">
-                  <a:solidFill>
-                    <a:schemeClr val="tx1"/>
-                  </a:solidFill>
-                  <a:latin typeface="+mn-lt"/>
-                  <a:ea typeface="+mn-ea"/>
-                  <a:cs typeface="+mn-cs"/>
-                </a:defRPr>
-              </a:lvl1pPr>
-              <a:lvl2pPr marL="457200" algn="l" defTabSz="914400" rtl="0" eaLnBrk="1" latinLnBrk="0" hangingPunct="1">
-                <a:defRPr sz="1800" kern="1200">
-                  <a:solidFill>
-                    <a:schemeClr val="tx1"/>
-                  </a:solidFill>
-                  <a:latin typeface="+mn-lt"/>
-                  <a:ea typeface="+mn-ea"/>
-                  <a:cs typeface="+mn-cs"/>
-                </a:defRPr>
-              </a:lvl2pPr>
-              <a:lvl3pPr marL="914400" algn="l" defTabSz="914400" rtl="0" eaLnBrk="1" latinLnBrk="0" hangingPunct="1">
-                <a:defRPr sz="1800" kern="1200">
-                  <a:solidFill>
-                    <a:schemeClr val="tx1"/>
-                  </a:solidFill>
-                  <a:latin typeface="+mn-lt"/>
-                  <a:ea typeface="+mn-ea"/>
-                  <a:cs typeface="+mn-cs"/>
-                </a:defRPr>
-              </a:lvl3pPr>
-              <a:lvl4pPr marL="1371600" algn="l" defTabSz="914400" rtl="0" eaLnBrk="1" latinLnBrk="0" hangingPunct="1">
-                <a:defRPr sz="1800" kern="1200">
-                  <a:solidFill>
-                    <a:schemeClr val="tx1"/>
-                  </a:solidFill>
-                  <a:latin typeface="+mn-lt"/>
-                  <a:ea typeface="+mn-ea"/>
-                  <a:cs typeface="+mn-cs"/>
-                </a:defRPr>
-              </a:lvl4pPr>
-              <a:lvl5pPr marL="1828800" algn="l" defTabSz="914400" rtl="0" eaLnBrk="1" latinLnBrk="0" hangingPunct="1">
-                <a:defRPr sz="1800" kern="1200">
-                  <a:solidFill>
-                    <a:schemeClr val="tx1"/>
-                  </a:solidFill>
-                  <a:latin typeface="+mn-lt"/>
-                  <a:ea typeface="+mn-ea"/>
-                  <a:cs typeface="+mn-cs"/>
-                </a:defRPr>
-              </a:lvl5pPr>
-              <a:lvl6pPr marL="2286000" algn="l" defTabSz="914400" rtl="0" eaLnBrk="1" latinLnBrk="0" hangingPunct="1">
-                <a:defRPr sz="1800" kern="1200">
-                  <a:solidFill>
-                    <a:schemeClr val="tx1"/>
-                  </a:solidFill>
-                  <a:latin typeface="+mn-lt"/>
-                  <a:ea typeface="+mn-ea"/>
-                  <a:cs typeface="+mn-cs"/>
-                </a:defRPr>
-              </a:lvl6pPr>
-              <a:lvl7pPr marL="2743200" algn="l" defTabSz="914400" rtl="0" eaLnBrk="1" latinLnBrk="0" hangingPunct="1">
-                <a:defRPr sz="1800" kern="1200">
-                  <a:solidFill>
-                    <a:schemeClr val="tx1"/>
-                  </a:solidFill>
-                  <a:latin typeface="+mn-lt"/>
-                  <a:ea typeface="+mn-ea"/>
-                  <a:cs typeface="+mn-cs"/>
-                </a:defRPr>
-              </a:lvl7pPr>
-              <a:lvl8pPr marL="3200400" algn="l" defTabSz="914400" rtl="0" eaLnBrk="1" latinLnBrk="0" hangingPunct="1">
-                <a:defRPr sz="1800" kern="1200">
-                  <a:solidFill>
-                    <a:schemeClr val="tx1"/>
-                  </a:solidFill>
-                  <a:latin typeface="+mn-lt"/>
-                  <a:ea typeface="+mn-ea"/>
-                  <a:cs typeface="+mn-cs"/>
-                </a:defRPr>
-              </a:lvl8pPr>
-              <a:lvl9pPr marL="3657600" algn="l" defTabSz="914400" rtl="0" eaLnBrk="1" latinLnBrk="0" hangingPunct="1">
-                <a:defRPr sz="1800" kern="1200">
-                  <a:solidFill>
-                    <a:schemeClr val="tx1"/>
-                  </a:solidFill>
-                  <a:latin typeface="+mn-lt"/>
-                  <a:ea typeface="+mn-ea"/>
-                  <a:cs typeface="+mn-cs"/>
-                </a:defRPr>
-              </a:lvl9pPr>
-            </a:lstStyle>
-            <a:p>
-              <a:endParaRPr lang="en-US" dirty="0"/>
-            </a:p>
-          </p:txBody>
-        </p:sp>
       </p:grpSp>
       <p:sp>
         <p:nvSpPr>
@@ -12399,22 +11516,18 @@
         </p:nvSpPr>
         <p:spPr>
           <a:xfrm>
-            <a:off x="841248" y="876304"/>
-            <a:ext cx="8817102" cy="1381704"/>
+            <a:off x="838200" y="727323"/>
+            <a:ext cx="4933950" cy="1596291"/>
           </a:xfrm>
         </p:spPr>
         <p:txBody>
-          <a:bodyPr anchor="b">
+          <a:bodyPr>
             <a:normAutofit/>
           </a:bodyPr>
           <a:lstStyle/>
           <a:p>
             <a:r>
-              <a:rPr lang="en-US" dirty="0">
-                <a:solidFill>
-                  <a:srgbClr val="FFFFFF"/>
-                </a:solidFill>
-              </a:rPr>
+              <a:rPr lang="en-US"/>
               <a:t>SURPRISES AND LIMITATIONS </a:t>
             </a:r>
           </a:p>
@@ -12438,8 +11551,8 @@
         </p:nvSpPr>
         <p:spPr>
           <a:xfrm>
-            <a:off x="841247" y="2680853"/>
-            <a:ext cx="10522169" cy="1918725"/>
+            <a:off x="838200" y="2434196"/>
+            <a:ext cx="4933950" cy="3430575"/>
           </a:xfrm>
         </p:spPr>
         <p:txBody>
@@ -12448,89 +11561,118 @@
           </a:bodyPr>
           <a:lstStyle/>
           <a:p>
-            <a:pPr>
-              <a:lnSpc>
-                <a:spcPct val="100000"/>
-              </a:lnSpc>
-            </a:pPr>
             <a:r>
-              <a:rPr lang="en-US" sz="2600" dirty="0">
-                <a:solidFill>
-                  <a:srgbClr val="FFFFFF"/>
-                </a:solidFill>
-              </a:rPr>
+              <a:rPr lang="en-US"/>
               <a:t>More predictors were not specific for a person </a:t>
             </a:r>
           </a:p>
           <a:p>
-            <a:pPr>
-              <a:lnSpc>
-                <a:spcPct val="100000"/>
-              </a:lnSpc>
-            </a:pPr>
             <a:r>
-              <a:rPr lang="en-US" sz="2600" dirty="0">
-                <a:solidFill>
-                  <a:srgbClr val="FFFFFF"/>
-                </a:solidFill>
-              </a:rPr>
+              <a:rPr lang="en-US"/>
               <a:t>Information such as job type and education was not impactful</a:t>
             </a:r>
           </a:p>
           <a:p>
-            <a:pPr>
-              <a:lnSpc>
-                <a:spcPct val="100000"/>
-              </a:lnSpc>
-            </a:pPr>
             <a:r>
-              <a:rPr lang="en-US" sz="2600" dirty="0">
-                <a:solidFill>
-                  <a:srgbClr val="FFFFFF"/>
-                </a:solidFill>
-              </a:rPr>
+              <a:rPr lang="en-US"/>
               <a:t>Only about 11% subscribed to a deposit</a:t>
             </a:r>
           </a:p>
           <a:p>
             <a:pPr marL="0" indent="0">
-              <a:lnSpc>
-                <a:spcPct val="100000"/>
-              </a:lnSpc>
               <a:buNone/>
             </a:pPr>
-            <a:endParaRPr lang="en-US" sz="3100" dirty="0">
-              <a:solidFill>
-                <a:srgbClr val="FFFFFF"/>
-              </a:solidFill>
-            </a:endParaRPr>
-          </a:p>
-          <a:p>
-            <a:pPr>
-              <a:lnSpc>
-                <a:spcPct val="100000"/>
-              </a:lnSpc>
-            </a:pPr>
-            <a:endParaRPr lang="en-US" sz="1700" dirty="0">
-              <a:solidFill>
-                <a:srgbClr val="FFFFFF"/>
-              </a:solidFill>
-            </a:endParaRPr>
-          </a:p>
-          <a:p>
-            <a:pPr>
-              <a:lnSpc>
-                <a:spcPct val="100000"/>
-              </a:lnSpc>
-            </a:pPr>
-            <a:endParaRPr lang="en-US" sz="1700" dirty="0">
-              <a:solidFill>
-                <a:srgbClr val="FFFFFF"/>
-              </a:solidFill>
-            </a:endParaRPr>
+            <a:endParaRPr lang="en-US"/>
+          </a:p>
+          <a:p>
+            <a:endParaRPr lang="en-US"/>
+          </a:p>
+          <a:p>
+            <a:endParaRPr lang="en-US"/>
           </a:p>
         </p:txBody>
       </p:sp>
+      <p:cxnSp>
+        <p:nvCxnSpPr>
+          <p:cNvPr id="36" name="Straight Connector 35">
+            <a:extLst>
+              <a:ext uri="{FF2B5EF4-FFF2-40B4-BE49-F238E27FC236}">
+                <a16:creationId xmlns:a16="http://schemas.microsoft.com/office/drawing/2014/main" id="{E32B0B7D-C67A-4103-B2F0-ACE40BD56D02}"/>
+              </a:ext>
+              <a:ext uri="{C183D7F6-B498-43B3-948B-1728B52AA6E4}">
+                <adec:decorative xmlns:adec="http://schemas.microsoft.com/office/drawing/2017/decorative" val="1"/>
+              </a:ext>
+            </a:extLst>
+          </p:cNvPr>
+          <p:cNvCxnSpPr>
+            <a:cxnSpLocks noGrp="1" noRot="1" noChangeAspect="1" noMove="1" noResize="1" noEditPoints="1" noAdjustHandles="1" noChangeArrowheads="1" noChangeShapeType="1"/>
+          </p:cNvCxnSpPr>
+          <p:nvPr>
+            <p:extLst>
+              <p:ext uri="{386F3935-93C4-4BCD-93E2-E3B085C9AB24}">
+                <p16:designElem xmlns:p16="http://schemas.microsoft.com/office/powerpoint/2015/main" val="1"/>
+              </p:ext>
+            </p:extLst>
+          </p:nvPr>
+        </p:nvCxnSpPr>
+        <p:spPr>
+          <a:xfrm flipH="1" flipV="1">
+            <a:off x="6091410" y="574154"/>
+            <a:ext cx="4590" cy="5693884"/>
+          </a:xfrm>
+          <a:prstGeom prst="line">
+            <a:avLst/>
+          </a:prstGeom>
+          <a:ln w="12700">
+            <a:solidFill>
+              <a:schemeClr val="accent4"/>
+            </a:solidFill>
+          </a:ln>
+        </p:spPr>
+        <p:style>
+          <a:lnRef idx="1">
+            <a:schemeClr val="accent1"/>
+          </a:lnRef>
+          <a:fillRef idx="0">
+            <a:schemeClr val="accent1"/>
+          </a:fillRef>
+          <a:effectRef idx="0">
+            <a:schemeClr val="accent1"/>
+          </a:effectRef>
+          <a:fontRef idx="minor">
+            <a:schemeClr val="tx1"/>
+          </a:fontRef>
+        </p:style>
+      </p:cxnSp>
+      <p:pic>
+        <p:nvPicPr>
+          <p:cNvPr id="5" name="Picture 4" descr="Camera lens">
+            <a:extLst>
+              <a:ext uri="{FF2B5EF4-FFF2-40B4-BE49-F238E27FC236}">
+                <a16:creationId xmlns:a16="http://schemas.microsoft.com/office/drawing/2014/main" id="{313BC691-1FA7-4FAF-B482-7F6AE6ECE431}"/>
+              </a:ext>
+            </a:extLst>
+          </p:cNvPr>
+          <p:cNvPicPr>
+            <a:picLocks noChangeAspect="1"/>
+          </p:cNvPicPr>
+          <p:nvPr/>
+        </p:nvPicPr>
+        <p:blipFill rotWithShape="1">
+          <a:blip r:embed="rId2"/>
+          <a:srcRect t="5564" b="9976"/>
+          <a:stretch/>
+        </p:blipFill>
+        <p:spPr>
+          <a:xfrm>
+            <a:off x="6415260" y="2068540"/>
+            <a:ext cx="4824168" cy="2719722"/>
+          </a:xfrm>
+          <a:prstGeom prst="rect">
+            <a:avLst/>
+          </a:prstGeom>
+        </p:spPr>
+      </p:pic>
     </p:spTree>
     <p:extLst>
       <p:ext uri="{BB962C8B-B14F-4D97-AF65-F5344CB8AC3E}">
@@ -12539,7 +11681,7 @@
     </p:extLst>
   </p:cSld>
   <p:clrMapOvr>
-    <a:overrideClrMapping bg1="dk1" tx1="lt1" bg2="dk2" tx2="lt2" accent1="accent1" accent2="accent2" accent3="accent3" accent4="accent4" accent5="accent5" accent6="accent6" hlink="hlink" folHlink="folHlink"/>
+    <a:masterClrMapping/>
   </p:clrMapOvr>
 </p:sld>
 </file>
